--- a/JAVA基础/JMM模型/images/jvm运行时数据区.pptx
+++ b/JAVA基础/JMM模型/images/jvm运行时数据区.pptx
@@ -6,7 +6,7 @@
   </p:sldMasterIdLst>
   <p:sldIdLst>
     <p:sldId id="256" r:id="rId2"/>
-    <p:sldId id="257" r:id="rId3"/>
+    <p:sldId id="258" r:id="rId3"/>
   </p:sldIdLst>
   <p:sldSz cx="12192000" cy="6858000"/>
   <p:notesSz cx="6858000" cy="9144000"/>
@@ -255,7 +255,7 @@
           <a:p>
             <a:fld id="{FC95A594-CF0D-4A53-B9DA-099DFF6947F7}" type="datetimeFigureOut">
               <a:rPr lang="zh-CN" altLang="en-US" smtClean="0"/>
-              <a:t>2020/5/16</a:t>
+              <a:t>2020/8/13</a:t>
             </a:fld>
             <a:endParaRPr lang="zh-CN" altLang="en-US"/>
           </a:p>
@@ -425,7 +425,7 @@
           <a:p>
             <a:fld id="{FC95A594-CF0D-4A53-B9DA-099DFF6947F7}" type="datetimeFigureOut">
               <a:rPr lang="zh-CN" altLang="en-US" smtClean="0"/>
-              <a:t>2020/5/16</a:t>
+              <a:t>2020/8/13</a:t>
             </a:fld>
             <a:endParaRPr lang="zh-CN" altLang="en-US"/>
           </a:p>
@@ -605,7 +605,7 @@
           <a:p>
             <a:fld id="{FC95A594-CF0D-4A53-B9DA-099DFF6947F7}" type="datetimeFigureOut">
               <a:rPr lang="zh-CN" altLang="en-US" smtClean="0"/>
-              <a:t>2020/5/16</a:t>
+              <a:t>2020/8/13</a:t>
             </a:fld>
             <a:endParaRPr lang="zh-CN" altLang="en-US"/>
           </a:p>
@@ -775,7 +775,7 @@
           <a:p>
             <a:fld id="{FC95A594-CF0D-4A53-B9DA-099DFF6947F7}" type="datetimeFigureOut">
               <a:rPr lang="zh-CN" altLang="en-US" smtClean="0"/>
-              <a:t>2020/5/16</a:t>
+              <a:t>2020/8/13</a:t>
             </a:fld>
             <a:endParaRPr lang="zh-CN" altLang="en-US"/>
           </a:p>
@@ -1021,7 +1021,7 @@
           <a:p>
             <a:fld id="{FC95A594-CF0D-4A53-B9DA-099DFF6947F7}" type="datetimeFigureOut">
               <a:rPr lang="zh-CN" altLang="en-US" smtClean="0"/>
-              <a:t>2020/5/16</a:t>
+              <a:t>2020/8/13</a:t>
             </a:fld>
             <a:endParaRPr lang="zh-CN" altLang="en-US"/>
           </a:p>
@@ -1253,7 +1253,7 @@
           <a:p>
             <a:fld id="{FC95A594-CF0D-4A53-B9DA-099DFF6947F7}" type="datetimeFigureOut">
               <a:rPr lang="zh-CN" altLang="en-US" smtClean="0"/>
-              <a:t>2020/5/16</a:t>
+              <a:t>2020/8/13</a:t>
             </a:fld>
             <a:endParaRPr lang="zh-CN" altLang="en-US"/>
           </a:p>
@@ -1620,7 +1620,7 @@
           <a:p>
             <a:fld id="{FC95A594-CF0D-4A53-B9DA-099DFF6947F7}" type="datetimeFigureOut">
               <a:rPr lang="zh-CN" altLang="en-US" smtClean="0"/>
-              <a:t>2020/5/16</a:t>
+              <a:t>2020/8/13</a:t>
             </a:fld>
             <a:endParaRPr lang="zh-CN" altLang="en-US"/>
           </a:p>
@@ -1738,7 +1738,7 @@
           <a:p>
             <a:fld id="{FC95A594-CF0D-4A53-B9DA-099DFF6947F7}" type="datetimeFigureOut">
               <a:rPr lang="zh-CN" altLang="en-US" smtClean="0"/>
-              <a:t>2020/5/16</a:t>
+              <a:t>2020/8/13</a:t>
             </a:fld>
             <a:endParaRPr lang="zh-CN" altLang="en-US"/>
           </a:p>
@@ -1833,7 +1833,7 @@
           <a:p>
             <a:fld id="{FC95A594-CF0D-4A53-B9DA-099DFF6947F7}" type="datetimeFigureOut">
               <a:rPr lang="zh-CN" altLang="en-US" smtClean="0"/>
-              <a:t>2020/5/16</a:t>
+              <a:t>2020/8/13</a:t>
             </a:fld>
             <a:endParaRPr lang="zh-CN" altLang="en-US"/>
           </a:p>
@@ -2110,7 +2110,7 @@
           <a:p>
             <a:fld id="{FC95A594-CF0D-4A53-B9DA-099DFF6947F7}" type="datetimeFigureOut">
               <a:rPr lang="zh-CN" altLang="en-US" smtClean="0"/>
-              <a:t>2020/5/16</a:t>
+              <a:t>2020/8/13</a:t>
             </a:fld>
             <a:endParaRPr lang="zh-CN" altLang="en-US"/>
           </a:p>
@@ -2363,7 +2363,7 @@
           <a:p>
             <a:fld id="{FC95A594-CF0D-4A53-B9DA-099DFF6947F7}" type="datetimeFigureOut">
               <a:rPr lang="zh-CN" altLang="en-US" smtClean="0"/>
-              <a:t>2020/5/16</a:t>
+              <a:t>2020/8/13</a:t>
             </a:fld>
             <a:endParaRPr lang="zh-CN" altLang="en-US"/>
           </a:p>
@@ -2576,7 +2576,7 @@
           <a:p>
             <a:fld id="{FC95A594-CF0D-4A53-B9DA-099DFF6947F7}" type="datetimeFigureOut">
               <a:rPr lang="zh-CN" altLang="en-US" smtClean="0"/>
-              <a:t>2020/5/16</a:t>
+              <a:t>2020/8/13</a:t>
             </a:fld>
             <a:endParaRPr lang="zh-CN" altLang="en-US"/>
           </a:p>
@@ -3142,8 +3142,8 @@
         </p:nvSpPr>
         <p:spPr>
           <a:xfrm>
-            <a:off x="6010705" y="307071"/>
-            <a:ext cx="4694829" cy="5268040"/>
+            <a:off x="6010705" y="482383"/>
+            <a:ext cx="4694829" cy="5270717"/>
           </a:xfrm>
           <a:prstGeom prst="rect">
             <a:avLst/>
@@ -3258,8 +3258,8 @@
         </p:nvSpPr>
         <p:spPr>
           <a:xfrm>
-            <a:off x="934874" y="307071"/>
-            <a:ext cx="4694829" cy="5268039"/>
+            <a:off x="961699" y="482384"/>
+            <a:ext cx="4694829" cy="5270716"/>
           </a:xfrm>
           <a:prstGeom prst="rect">
             <a:avLst/>
@@ -3354,10 +3354,6 @@
           </a:p>
           <a:p>
             <a:pPr algn="ctr"/>
-            <a:endParaRPr lang="en-US" altLang="zh-CN" dirty="0"/>
-          </a:p>
-          <a:p>
-            <a:pPr algn="ctr"/>
             <a:r>
               <a:rPr lang="zh-CN" altLang="en-US" dirty="0" smtClean="0"/>
               <a:t>线程私有</a:t>
@@ -3374,8 +3370,8 @@
         </p:nvSpPr>
         <p:spPr>
           <a:xfrm>
-            <a:off x="6210301" y="443552"/>
-            <a:ext cx="4362449" cy="2242498"/>
+            <a:off x="6210301" y="921815"/>
+            <a:ext cx="4362449" cy="2318698"/>
           </a:xfrm>
           <a:prstGeom prst="roundRect">
             <a:avLst/>
@@ -3421,94 +3417,24 @@
             </a:endParaRPr>
           </a:p>
           <a:p>
-            <a:r>
-              <a:rPr lang="zh-CN" altLang="en-US" sz="1200" b="1" dirty="0">
-                <a:latin typeface="微软雅黑" panose="020B0503020204020204" pitchFamily="34" charset="-122"/>
-                <a:ea typeface="微软雅黑" panose="020B0503020204020204" pitchFamily="34" charset="-122"/>
-              </a:rPr>
-              <a:t>可供所有线程共享的内存区域，供</a:t>
-            </a:r>
-            <a:r>
-              <a:rPr lang="zh-CN" altLang="en-US" sz="1200" b="1" dirty="0">
-                <a:solidFill>
-                  <a:schemeClr val="tx2">
-                    <a:lumMod val="75000"/>
-                  </a:schemeClr>
-                </a:solidFill>
-                <a:latin typeface="微软雅黑" panose="020B0503020204020204" pitchFamily="34" charset="-122"/>
-                <a:ea typeface="微软雅黑" panose="020B0503020204020204" pitchFamily="34" charset="-122"/>
-              </a:rPr>
-              <a:t>所有</a:t>
-            </a:r>
-            <a:r>
-              <a:rPr lang="zh-CN" altLang="en-US" sz="1200" b="1" dirty="0">
-                <a:latin typeface="微软雅黑" panose="020B0503020204020204" pitchFamily="34" charset="-122"/>
-                <a:ea typeface="微软雅黑" panose="020B0503020204020204" pitchFamily="34" charset="-122"/>
-              </a:rPr>
-              <a:t>类实例和数组对象分配内存的</a:t>
-            </a:r>
-            <a:r>
-              <a:rPr lang="zh-CN" altLang="en-US" sz="1200" b="1" dirty="0" smtClean="0">
-                <a:latin typeface="微软雅黑" panose="020B0503020204020204" pitchFamily="34" charset="-122"/>
-                <a:ea typeface="微软雅黑" panose="020B0503020204020204" pitchFamily="34" charset="-122"/>
-              </a:rPr>
-              <a:t>区域</a:t>
-            </a:r>
-            <a:r>
-              <a:rPr lang="zh-CN" altLang="en-US" sz="1200" b="1" dirty="0">
-                <a:latin typeface="微软雅黑" panose="020B0503020204020204" pitchFamily="34" charset="-122"/>
-                <a:ea typeface="微软雅黑" panose="020B0503020204020204" pitchFamily="34" charset="-122"/>
-              </a:rPr>
-              <a:t>；</a:t>
-            </a:r>
-            <a:r>
-              <a:rPr lang="zh-CN" altLang="en-US" sz="1200" b="1" dirty="0" smtClean="0">
-                <a:latin typeface="微软雅黑" panose="020B0503020204020204" pitchFamily="34" charset="-122"/>
-                <a:ea typeface="微软雅黑" panose="020B0503020204020204" pitchFamily="34" charset="-122"/>
-              </a:rPr>
-              <a:t>被</a:t>
-            </a:r>
-            <a:r>
-              <a:rPr lang="en-US" altLang="zh-CN" sz="1200" b="1" dirty="0" smtClean="0">
-                <a:latin typeface="微软雅黑" panose="020B0503020204020204" pitchFamily="34" charset="-122"/>
-                <a:ea typeface="微软雅黑" panose="020B0503020204020204" pitchFamily="34" charset="-122"/>
-              </a:rPr>
-              <a:t>GC</a:t>
-            </a:r>
-            <a:r>
-              <a:rPr lang="zh-CN" altLang="en-US" sz="1200" b="1" dirty="0" smtClean="0">
-                <a:latin typeface="微软雅黑" panose="020B0503020204020204" pitchFamily="34" charset="-122"/>
-                <a:ea typeface="微软雅黑" panose="020B0503020204020204" pitchFamily="34" charset="-122"/>
-              </a:rPr>
-              <a:t>管理</a:t>
-            </a:r>
-            <a:r>
-              <a:rPr lang="zh-CN" altLang="en-US" sz="1200" b="1" dirty="0" smtClean="0">
-                <a:latin typeface="微软雅黑" panose="020B0503020204020204" pitchFamily="34" charset="-122"/>
-                <a:ea typeface="微软雅黑" panose="020B0503020204020204" pitchFamily="34" charset="-122"/>
-              </a:rPr>
-              <a:t>。</a:t>
-            </a:r>
+            <a:endParaRPr lang="en-US" altLang="zh-CN" sz="1200" b="1" dirty="0">
+              <a:latin typeface="微软雅黑" panose="020B0503020204020204" pitchFamily="34" charset="-122"/>
+              <a:ea typeface="微软雅黑" panose="020B0503020204020204" pitchFamily="34" charset="-122"/>
+            </a:endParaRPr>
+          </a:p>
+          <a:p>
             <a:endParaRPr lang="en-US" altLang="zh-CN" sz="1200" b="1" dirty="0" smtClean="0">
               <a:latin typeface="微软雅黑" panose="020B0503020204020204" pitchFamily="34" charset="-122"/>
               <a:ea typeface="微软雅黑" panose="020B0503020204020204" pitchFamily="34" charset="-122"/>
             </a:endParaRPr>
           </a:p>
           <a:p>
-            <a:r>
-              <a:rPr lang="zh-CN" altLang="en-US" sz="1200" b="1" dirty="0">
-                <a:latin typeface="微软雅黑" panose="020B0503020204020204" pitchFamily="34" charset="-122"/>
-                <a:ea typeface="微软雅黑" panose="020B0503020204020204" pitchFamily="34" charset="-122"/>
-              </a:rPr>
-              <a:t>堆中不存放基本类型和对象引用，只存放对象</a:t>
-            </a:r>
-            <a:r>
-              <a:rPr lang="zh-CN" altLang="en-US" sz="1200" b="1" dirty="0" smtClean="0">
-                <a:latin typeface="微软雅黑" panose="020B0503020204020204" pitchFamily="34" charset="-122"/>
-                <a:ea typeface="微软雅黑" panose="020B0503020204020204" pitchFamily="34" charset="-122"/>
-              </a:rPr>
-              <a:t>本身</a:t>
-            </a:r>
+            <a:endParaRPr lang="en-US" altLang="zh-CN" sz="1200" b="1" dirty="0">
+              <a:latin typeface="微软雅黑" panose="020B0503020204020204" pitchFamily="34" charset="-122"/>
+              <a:ea typeface="微软雅黑" panose="020B0503020204020204" pitchFamily="34" charset="-122"/>
+            </a:endParaRPr>
+          </a:p>
+          <a:p>
             <a:endParaRPr lang="en-US" altLang="zh-CN" sz="1200" b="1" dirty="0" smtClean="0">
               <a:latin typeface="微软雅黑" panose="020B0503020204020204" pitchFamily="34" charset="-122"/>
               <a:ea typeface="微软雅黑" panose="020B0503020204020204" pitchFamily="34" charset="-122"/>
@@ -3521,30 +3447,6 @@
             </a:endParaRPr>
           </a:p>
           <a:p>
-            <a:endParaRPr lang="en-US" altLang="zh-CN" sz="1200" b="1" dirty="0" smtClean="0">
-              <a:latin typeface="微软雅黑" panose="020B0503020204020204" pitchFamily="34" charset="-122"/>
-              <a:ea typeface="微软雅黑" panose="020B0503020204020204" pitchFamily="34" charset="-122"/>
-            </a:endParaRPr>
-          </a:p>
-          <a:p>
-            <a:endParaRPr lang="en-US" altLang="zh-CN" sz="1200" b="1" dirty="0">
-              <a:latin typeface="微软雅黑" panose="020B0503020204020204" pitchFamily="34" charset="-122"/>
-              <a:ea typeface="微软雅黑" panose="020B0503020204020204" pitchFamily="34" charset="-122"/>
-            </a:endParaRPr>
-          </a:p>
-          <a:p>
-            <a:endParaRPr lang="en-US" altLang="zh-CN" sz="1200" b="1" dirty="0" smtClean="0">
-              <a:latin typeface="微软雅黑" panose="020B0503020204020204" pitchFamily="34" charset="-122"/>
-              <a:ea typeface="微软雅黑" panose="020B0503020204020204" pitchFamily="34" charset="-122"/>
-            </a:endParaRPr>
-          </a:p>
-          <a:p>
-            <a:endParaRPr lang="en-US" altLang="zh-CN" sz="1200" b="1" dirty="0">
-              <a:latin typeface="微软雅黑" panose="020B0503020204020204" pitchFamily="34" charset="-122"/>
-              <a:ea typeface="微软雅黑" panose="020B0503020204020204" pitchFamily="34" charset="-122"/>
-            </a:endParaRPr>
-          </a:p>
-          <a:p>
             <a:endParaRPr lang="zh-CN" altLang="en-US" sz="1200" b="1" dirty="0">
               <a:latin typeface="微软雅黑" panose="020B0503020204020204" pitchFamily="34" charset="-122"/>
               <a:ea typeface="微软雅黑" panose="020B0503020204020204" pitchFamily="34" charset="-122"/>
@@ -3554,29 +3456,32 @@
       </p:sp>
       <p:sp>
         <p:nvSpPr>
-          <p:cNvPr id="6" name="圆角矩形 5"/>
+          <p:cNvPr id="10" name="圆角矩形 9"/>
           <p:cNvSpPr/>
           <p:nvPr/>
         </p:nvSpPr>
         <p:spPr>
           <a:xfrm>
-            <a:off x="1606455" y="443552"/>
-            <a:ext cx="3654758" cy="2593074"/>
+            <a:off x="6210301" y="4029581"/>
+            <a:ext cx="4362449" cy="1026915"/>
           </a:xfrm>
           <a:prstGeom prst="roundRect">
             <a:avLst/>
           </a:prstGeom>
+          <a:solidFill>
+            <a:schemeClr val="accent2">
+              <a:alpha val="74000"/>
+            </a:schemeClr>
+          </a:solidFill>
         </p:spPr>
         <p:style>
-          <a:lnRef idx="2">
-            <a:schemeClr val="accent2">
-              <a:shade val="50000"/>
-            </a:schemeClr>
+          <a:lnRef idx="3">
+            <a:schemeClr val="lt1"/>
           </a:lnRef>
           <a:fillRef idx="1">
             <a:schemeClr val="accent2"/>
           </a:fillRef>
-          <a:effectRef idx="0">
+          <a:effectRef idx="1">
             <a:schemeClr val="accent2"/>
           </a:effectRef>
           <a:fontRef idx="minor">
@@ -3599,155 +3504,7 @@
                 <a:latin typeface="微软雅黑" panose="020B0503020204020204" pitchFamily="34" charset="-122"/>
                 <a:ea typeface="微软雅黑" panose="020B0503020204020204" pitchFamily="34" charset="-122"/>
               </a:rPr>
-              <a:t>栈</a:t>
-            </a:r>
-            <a:endParaRPr lang="en-US" altLang="zh-CN" sz="1400" b="1" dirty="0" smtClean="0">
-              <a:solidFill>
-                <a:schemeClr val="tx1">
-                  <a:lumMod val="95000"/>
-                  <a:lumOff val="5000"/>
-                </a:schemeClr>
-              </a:solidFill>
-              <a:latin typeface="微软雅黑" panose="020B0503020204020204" pitchFamily="34" charset="-122"/>
-              <a:ea typeface="微软雅黑" panose="020B0503020204020204" pitchFamily="34" charset="-122"/>
-            </a:endParaRPr>
-          </a:p>
-          <a:p>
-            <a:pPr algn="ctr"/>
-            <a:endParaRPr lang="en-US" altLang="zh-CN" sz="1400" b="1" dirty="0" smtClean="0">
-              <a:latin typeface="微软雅黑" panose="020B0503020204020204" pitchFamily="34" charset="-122"/>
-              <a:ea typeface="微软雅黑" panose="020B0503020204020204" pitchFamily="34" charset="-122"/>
-            </a:endParaRPr>
-          </a:p>
-          <a:p>
-            <a:r>
-              <a:rPr lang="zh-CN" altLang="en-US" sz="1200" b="1" dirty="0">
-                <a:latin typeface="微软雅黑" panose="020B0503020204020204" pitchFamily="34" charset="-122"/>
-                <a:ea typeface="微软雅黑" panose="020B0503020204020204" pitchFamily="34" charset="-122"/>
-              </a:rPr>
-              <a:t>每一条</a:t>
-            </a:r>
-            <a:r>
-              <a:rPr lang="en-US" altLang="zh-CN" sz="1200" b="1" dirty="0">
-                <a:latin typeface="微软雅黑" panose="020B0503020204020204" pitchFamily="34" charset="-122"/>
-                <a:ea typeface="微软雅黑" panose="020B0503020204020204" pitchFamily="34" charset="-122"/>
-              </a:rPr>
-              <a:t>Java</a:t>
-            </a:r>
-            <a:r>
-              <a:rPr lang="zh-CN" altLang="en-US" sz="1200" b="1" dirty="0">
-                <a:latin typeface="微软雅黑" panose="020B0503020204020204" pitchFamily="34" charset="-122"/>
-                <a:ea typeface="微软雅黑" panose="020B0503020204020204" pitchFamily="34" charset="-122"/>
-              </a:rPr>
-              <a:t>虚拟机线程都有自己私有的</a:t>
-            </a:r>
-            <a:r>
-              <a:rPr lang="en-US" altLang="zh-CN" sz="1200" b="1" dirty="0">
-                <a:latin typeface="微软雅黑" panose="020B0503020204020204" pitchFamily="34" charset="-122"/>
-                <a:ea typeface="微软雅黑" panose="020B0503020204020204" pitchFamily="34" charset="-122"/>
-              </a:rPr>
-              <a:t>Java</a:t>
-            </a:r>
-            <a:r>
-              <a:rPr lang="zh-CN" altLang="en-US" sz="1200" b="1" dirty="0">
-                <a:latin typeface="微软雅黑" panose="020B0503020204020204" pitchFamily="34" charset="-122"/>
-                <a:ea typeface="微软雅黑" panose="020B0503020204020204" pitchFamily="34" charset="-122"/>
-              </a:rPr>
-              <a:t>虚拟机</a:t>
-            </a:r>
-            <a:r>
-              <a:rPr lang="zh-CN" altLang="en-US" sz="1200" b="1" dirty="0" smtClean="0">
-                <a:latin typeface="微软雅黑" panose="020B0503020204020204" pitchFamily="34" charset="-122"/>
-                <a:ea typeface="微软雅黑" panose="020B0503020204020204" pitchFamily="34" charset="-122"/>
-              </a:rPr>
-              <a:t>栈， 这个</a:t>
-            </a:r>
-            <a:r>
-              <a:rPr lang="zh-CN" altLang="en-US" sz="1200" b="1" dirty="0">
-                <a:latin typeface="微软雅黑" panose="020B0503020204020204" pitchFamily="34" charset="-122"/>
-                <a:ea typeface="微软雅黑" panose="020B0503020204020204" pitchFamily="34" charset="-122"/>
-              </a:rPr>
-              <a:t>栈与线程同时创建， </a:t>
-            </a:r>
-            <a:r>
-              <a:rPr lang="zh-CN" altLang="en-US" sz="1200" b="1" dirty="0" smtClean="0">
-                <a:latin typeface="微软雅黑" panose="020B0503020204020204" pitchFamily="34" charset="-122"/>
-                <a:ea typeface="微软雅黑" panose="020B0503020204020204" pitchFamily="34" charset="-122"/>
-              </a:rPr>
-              <a:t>用于</a:t>
-            </a:r>
-            <a:r>
-              <a:rPr lang="zh-CN" altLang="en-US" sz="1200" b="1" dirty="0">
-                <a:latin typeface="微软雅黑" panose="020B0503020204020204" pitchFamily="34" charset="-122"/>
-                <a:ea typeface="微软雅黑" panose="020B0503020204020204" pitchFamily="34" charset="-122"/>
-              </a:rPr>
-              <a:t>保存基础</a:t>
-            </a:r>
-            <a:r>
-              <a:rPr lang="zh-CN" altLang="en-US" sz="1200" b="1" dirty="0" smtClean="0">
-                <a:latin typeface="微软雅黑" panose="020B0503020204020204" pitchFamily="34" charset="-122"/>
-                <a:ea typeface="微软雅黑" panose="020B0503020204020204" pitchFamily="34" charset="-122"/>
-              </a:rPr>
-              <a:t>数据类型和</a:t>
-            </a:r>
-            <a:r>
-              <a:rPr lang="zh-CN" altLang="en-US" sz="1200" b="1" dirty="0">
-                <a:latin typeface="微软雅黑" panose="020B0503020204020204" pitchFamily="34" charset="-122"/>
-                <a:ea typeface="微软雅黑" panose="020B0503020204020204" pitchFamily="34" charset="-122"/>
-              </a:rPr>
-              <a:t>自定义对象的引用</a:t>
-            </a:r>
-          </a:p>
-        </p:txBody>
-      </p:sp>
-      <p:sp>
-        <p:nvSpPr>
-          <p:cNvPr id="7" name="圆角矩形 6"/>
-          <p:cNvSpPr/>
-          <p:nvPr/>
-        </p:nvSpPr>
-        <p:spPr>
-          <a:xfrm>
-            <a:off x="1606455" y="3138983"/>
-            <a:ext cx="1816287" cy="1523999"/>
-          </a:xfrm>
-          <a:prstGeom prst="roundRect">
-            <a:avLst/>
-          </a:prstGeom>
-        </p:spPr>
-        <p:style>
-          <a:lnRef idx="2">
-            <a:schemeClr val="accent3">
-              <a:shade val="50000"/>
-            </a:schemeClr>
-          </a:lnRef>
-          <a:fillRef idx="1">
-            <a:schemeClr val="accent3"/>
-          </a:fillRef>
-          <a:effectRef idx="0">
-            <a:schemeClr val="accent3"/>
-          </a:effectRef>
-          <a:fontRef idx="minor">
-            <a:schemeClr val="lt1"/>
-          </a:fontRef>
-        </p:style>
-        <p:txBody>
-          <a:bodyPr rtlCol="0" anchor="ctr"/>
-          <a:lstStyle/>
-          <a:p>
-            <a:pPr algn="ctr"/>
-            <a:r>
-              <a:rPr lang="en-US" altLang="zh-CN" sz="1400" b="1" dirty="0">
-                <a:solidFill>
-                  <a:schemeClr val="tx1">
-                    <a:lumMod val="95000"/>
-                    <a:lumOff val="5000"/>
-                  </a:schemeClr>
-                </a:solidFill>
-                <a:latin typeface="微软雅黑" panose="020B0503020204020204" pitchFamily="34" charset="-122"/>
-                <a:ea typeface="微软雅黑" panose="020B0503020204020204" pitchFamily="34" charset="-122"/>
-              </a:rPr>
-              <a:t>PC</a:t>
+              <a:t>方法</a:t>
             </a:r>
             <a:r>
               <a:rPr lang="zh-CN" altLang="en-US" sz="1400" b="1" dirty="0">
@@ -3760,59 +3517,7 @@
                 <a:latin typeface="微软雅黑" panose="020B0503020204020204" pitchFamily="34" charset="-122"/>
                 <a:ea typeface="微软雅黑" panose="020B0503020204020204" pitchFamily="34" charset="-122"/>
               </a:rPr>
-              <a:t>寄存器</a:t>
-            </a:r>
-          </a:p>
-        </p:txBody>
-      </p:sp>
-      <p:sp>
-        <p:nvSpPr>
-          <p:cNvPr id="9" name="圆角矩形 8"/>
-          <p:cNvSpPr/>
-          <p:nvPr/>
-        </p:nvSpPr>
-        <p:spPr>
-          <a:xfrm>
-            <a:off x="3550690" y="3112825"/>
-            <a:ext cx="1710524" cy="1523999"/>
-          </a:xfrm>
-          <a:prstGeom prst="roundRect">
-            <a:avLst/>
-          </a:prstGeom>
-        </p:spPr>
-        <p:style>
-          <a:lnRef idx="2">
-            <a:schemeClr val="accent3">
-              <a:shade val="50000"/>
-            </a:schemeClr>
-          </a:lnRef>
-          <a:fillRef idx="1">
-            <a:schemeClr val="accent3"/>
-          </a:fillRef>
-          <a:effectRef idx="0">
-            <a:schemeClr val="accent3"/>
-          </a:effectRef>
-          <a:fontRef idx="minor">
-            <a:schemeClr val="lt1"/>
-          </a:fontRef>
-        </p:style>
-        <p:txBody>
-          <a:bodyPr rtlCol="0" anchor="ctr"/>
-          <a:lstStyle/>
-          <a:p>
-            <a:pPr algn="ctr"/>
-            <a:r>
-              <a:rPr lang="zh-CN" altLang="en-US" sz="1400" b="1" dirty="0">
-                <a:solidFill>
-                  <a:schemeClr val="tx1">
-                    <a:lumMod val="95000"/>
-                    <a:lumOff val="5000"/>
-                  </a:schemeClr>
-                </a:solidFill>
-                <a:latin typeface="微软雅黑" panose="020B0503020204020204" pitchFamily="34" charset="-122"/>
-                <a:ea typeface="微软雅黑" panose="020B0503020204020204" pitchFamily="34" charset="-122"/>
-              </a:rPr>
-              <a:t>本地方法栈</a:t>
+              <a:t>区</a:t>
             </a:r>
             <a:endParaRPr lang="en-US" altLang="zh-CN" sz="1400" b="1" dirty="0">
               <a:solidFill>
@@ -3831,429 +3536,39 @@
                 <a:latin typeface="微软雅黑" panose="020B0503020204020204" pitchFamily="34" charset="-122"/>
                 <a:ea typeface="微软雅黑" panose="020B0503020204020204" pitchFamily="34" charset="-122"/>
               </a:rPr>
-              <a:t>与</a:t>
-            </a:r>
-            <a:r>
-              <a:rPr lang="en-US" altLang="zh-CN" sz="1200" b="1" dirty="0">
-                <a:latin typeface="微软雅黑" panose="020B0503020204020204" pitchFamily="34" charset="-122"/>
-                <a:ea typeface="微软雅黑" panose="020B0503020204020204" pitchFamily="34" charset="-122"/>
-              </a:rPr>
-              <a:t>naive</a:t>
+              <a:t>存储类的结构信息，包括</a:t>
             </a:r>
             <a:r>
               <a:rPr lang="zh-CN" altLang="en-US" sz="1200" b="1" dirty="0">
-                <a:latin typeface="微软雅黑" panose="020B0503020204020204" pitchFamily="34" charset="-122"/>
-                <a:ea typeface="微软雅黑" panose="020B0503020204020204" pitchFamily="34" charset="-122"/>
-              </a:rPr>
-              <a:t>方法有关，随线程创建时创建</a:t>
-            </a:r>
-          </a:p>
-          <a:p>
-            <a:pPr algn="ctr"/>
-            <a:endParaRPr lang="zh-CN" altLang="en-US" sz="1400" b="1" dirty="0">
-              <a:latin typeface="微软雅黑" panose="020B0503020204020204" pitchFamily="34" charset="-122"/>
-              <a:ea typeface="微软雅黑" panose="020B0503020204020204" pitchFamily="34" charset="-122"/>
-            </a:endParaRPr>
-          </a:p>
-        </p:txBody>
-      </p:sp>
-      <p:grpSp>
-        <p:nvGrpSpPr>
-          <p:cNvPr id="14" name="组合 13"/>
-          <p:cNvGrpSpPr/>
-          <p:nvPr/>
-        </p:nvGrpSpPr>
-        <p:grpSpPr>
-          <a:xfrm>
-            <a:off x="6210301" y="2743200"/>
-            <a:ext cx="4362450" cy="2313296"/>
-            <a:chOff x="6632810" y="3218574"/>
-            <a:chExt cx="3562063" cy="2256448"/>
-          </a:xfrm>
-        </p:grpSpPr>
-        <p:sp>
-          <p:nvSpPr>
-            <p:cNvPr id="10" name="圆角矩形 9"/>
-            <p:cNvSpPr/>
-            <p:nvPr/>
-          </p:nvSpPr>
-          <p:spPr>
-            <a:xfrm>
-              <a:off x="6632810" y="3218574"/>
-              <a:ext cx="3562063" cy="2256448"/>
-            </a:xfrm>
-            <a:prstGeom prst="roundRect">
-              <a:avLst/>
-            </a:prstGeom>
-            <a:solidFill>
-              <a:schemeClr val="accent2">
-                <a:alpha val="74000"/>
-              </a:schemeClr>
-            </a:solidFill>
-          </p:spPr>
-          <p:style>
-            <a:lnRef idx="3">
-              <a:schemeClr val="lt1"/>
-            </a:lnRef>
-            <a:fillRef idx="1">
-              <a:schemeClr val="accent2"/>
-            </a:fillRef>
-            <a:effectRef idx="1">
-              <a:schemeClr val="accent2"/>
-            </a:effectRef>
-            <a:fontRef idx="minor">
-              <a:schemeClr val="lt1"/>
-            </a:fontRef>
-          </p:style>
-          <p:txBody>
-            <a:bodyPr rtlCol="0" anchor="ctr"/>
-            <a:lstStyle/>
-            <a:p>
-              <a:pPr algn="ctr"/>
-              <a:endParaRPr lang="en-US" altLang="zh-CN" dirty="0" smtClean="0"/>
-            </a:p>
-            <a:p>
-              <a:pPr algn="ctr"/>
-              <a:endParaRPr lang="en-US" altLang="zh-CN" dirty="0" smtClean="0"/>
-            </a:p>
-            <a:p>
-              <a:pPr algn="ctr"/>
-              <a:endParaRPr lang="en-US" altLang="zh-CN" dirty="0"/>
-            </a:p>
-            <a:p>
-              <a:pPr algn="ctr"/>
-              <a:endParaRPr lang="en-US" altLang="zh-CN" dirty="0" smtClean="0"/>
-            </a:p>
-            <a:p>
-              <a:pPr algn="ctr"/>
-              <a:endParaRPr lang="en-US" altLang="zh-CN" dirty="0"/>
-            </a:p>
-            <a:p>
-              <a:pPr algn="ctr"/>
-              <a:endParaRPr lang="en-US" altLang="zh-CN" dirty="0"/>
-            </a:p>
-            <a:p>
-              <a:pPr algn="ctr"/>
-              <a:r>
-                <a:rPr lang="zh-CN" altLang="en-US" sz="1400" b="1" dirty="0">
-                  <a:solidFill>
-                    <a:schemeClr val="tx1">
-                      <a:lumMod val="95000"/>
-                      <a:lumOff val="5000"/>
-                    </a:schemeClr>
-                  </a:solidFill>
-                  <a:latin typeface="微软雅黑" panose="020B0503020204020204" pitchFamily="34" charset="-122"/>
-                  <a:ea typeface="微软雅黑" panose="020B0503020204020204" pitchFamily="34" charset="-122"/>
-                </a:rPr>
-                <a:t>方法区</a:t>
-              </a:r>
-              <a:endParaRPr lang="en-US" altLang="zh-CN" sz="1400" b="1" dirty="0">
                 <a:solidFill>
-                  <a:schemeClr val="tx1">
-                    <a:lumMod val="95000"/>
-                    <a:lumOff val="5000"/>
-                  </a:schemeClr>
-                </a:solidFill>
-                <a:latin typeface="微软雅黑" panose="020B0503020204020204" pitchFamily="34" charset="-122"/>
-                <a:ea typeface="微软雅黑" panose="020B0503020204020204" pitchFamily="34" charset="-122"/>
-              </a:endParaRPr>
-            </a:p>
-            <a:p>
-              <a:r>
-                <a:rPr lang="zh-CN" altLang="en-US" sz="1200" b="1" dirty="0">
-                  <a:latin typeface="微软雅黑" panose="020B0503020204020204" pitchFamily="34" charset="-122"/>
-                  <a:ea typeface="微软雅黑" panose="020B0503020204020204" pitchFamily="34" charset="-122"/>
-                </a:rPr>
-                <a:t>存储类的结构信息，包括</a:t>
-              </a:r>
-              <a:r>
-                <a:rPr lang="zh-CN" altLang="en-US" sz="1200" b="1" dirty="0">
-                  <a:solidFill>
-                    <a:schemeClr val="tx2">
-                      <a:lumMod val="75000"/>
-                    </a:schemeClr>
-                  </a:solidFill>
-                  <a:latin typeface="微软雅黑" panose="020B0503020204020204" pitchFamily="34" charset="-122"/>
-                  <a:ea typeface="微软雅黑" panose="020B0503020204020204" pitchFamily="34" charset="-122"/>
-                </a:rPr>
-                <a:t>运行时常量池</a:t>
-              </a:r>
-              <a:r>
-                <a:rPr lang="zh-CN" altLang="en-US" sz="1200" b="1" dirty="0">
-                  <a:latin typeface="微软雅黑" panose="020B0503020204020204" pitchFamily="34" charset="-122"/>
-                  <a:ea typeface="微软雅黑" panose="020B0503020204020204" pitchFamily="34" charset="-122"/>
-                </a:rPr>
-                <a:t>，类的字段，方法，构造函数信息。</a:t>
-              </a:r>
-            </a:p>
-          </p:txBody>
-        </p:sp>
-        <p:sp>
-          <p:nvSpPr>
-            <p:cNvPr id="11" name="圆角矩形 10"/>
-            <p:cNvSpPr/>
-            <p:nvPr/>
-          </p:nvSpPr>
-          <p:spPr>
-            <a:xfrm>
-              <a:off x="6772803" y="3582606"/>
-              <a:ext cx="1690295" cy="1179029"/>
-            </a:xfrm>
-            <a:prstGeom prst="roundRect">
-              <a:avLst/>
-            </a:prstGeom>
-            <a:ln/>
-          </p:spPr>
-          <p:style>
-            <a:lnRef idx="2">
-              <a:schemeClr val="accent4">
-                <a:shade val="50000"/>
-              </a:schemeClr>
-            </a:lnRef>
-            <a:fillRef idx="1">
-              <a:schemeClr val="accent4"/>
-            </a:fillRef>
-            <a:effectRef idx="0">
-              <a:schemeClr val="accent4"/>
-            </a:effectRef>
-            <a:fontRef idx="minor">
-              <a:schemeClr val="lt1"/>
-            </a:fontRef>
-          </p:style>
-          <p:txBody>
-            <a:bodyPr rtlCol="0" anchor="ctr"/>
-            <a:lstStyle/>
-            <a:p>
-              <a:pPr algn="ctr"/>
-              <a:r>
-                <a:rPr lang="zh-CN" altLang="en-US" sz="1400" b="1" dirty="0">
-                  <a:solidFill>
-                    <a:schemeClr val="tx1">
-                      <a:lumMod val="95000"/>
-                      <a:lumOff val="5000"/>
-                    </a:schemeClr>
-                  </a:solidFill>
-                  <a:latin typeface="微软雅黑" panose="020B0503020204020204" pitchFamily="34" charset="-122"/>
-                  <a:ea typeface="微软雅黑" panose="020B0503020204020204" pitchFamily="34" charset="-122"/>
-                </a:rPr>
-                <a:t>运行时常量</a:t>
-              </a:r>
-              <a:r>
-                <a:rPr lang="zh-CN" altLang="en-US" sz="1400" b="1" dirty="0" smtClean="0">
-                  <a:solidFill>
-                    <a:schemeClr val="tx1">
-                      <a:lumMod val="95000"/>
-                      <a:lumOff val="5000"/>
-                    </a:schemeClr>
-                  </a:solidFill>
-                  <a:latin typeface="微软雅黑" panose="020B0503020204020204" pitchFamily="34" charset="-122"/>
-                  <a:ea typeface="微软雅黑" panose="020B0503020204020204" pitchFamily="34" charset="-122"/>
-                </a:rPr>
-                <a:t>池</a:t>
-              </a:r>
-              <a:r>
-                <a:rPr lang="en-US" altLang="zh-CN" sz="1200" b="1" dirty="0" smtClean="0">
-                  <a:solidFill>
-                    <a:schemeClr val="tx1">
-                      <a:lumMod val="95000"/>
-                      <a:lumOff val="5000"/>
-                    </a:schemeClr>
-                  </a:solidFill>
-                  <a:latin typeface="微软雅黑" panose="020B0503020204020204" pitchFamily="34" charset="-122"/>
-                  <a:ea typeface="微软雅黑" panose="020B0503020204020204" pitchFamily="34" charset="-122"/>
-                </a:rPr>
-                <a:t>(</a:t>
-              </a:r>
-              <a:r>
-                <a:rPr lang="zh-CN" altLang="en-US" sz="1200" b="1" dirty="0">
-                  <a:solidFill>
-                    <a:schemeClr val="bg2">
-                      <a:lumMod val="50000"/>
-                    </a:schemeClr>
-                  </a:solidFill>
-                  <a:latin typeface="微软雅黑" panose="020B0503020204020204" pitchFamily="34" charset="-122"/>
-                  <a:ea typeface="微软雅黑" panose="020B0503020204020204" pitchFamily="34" charset="-122"/>
-                </a:rPr>
-                <a:t>每个类</a:t>
-              </a:r>
-              <a:r>
-                <a:rPr lang="zh-CN" altLang="en-US" sz="1200" b="1" dirty="0" smtClean="0">
-                  <a:solidFill>
-                    <a:schemeClr val="bg2">
-                      <a:lumMod val="50000"/>
-                    </a:schemeClr>
-                  </a:solidFill>
-                  <a:latin typeface="微软雅黑" panose="020B0503020204020204" pitchFamily="34" charset="-122"/>
-                  <a:ea typeface="微软雅黑" panose="020B0503020204020204" pitchFamily="34" charset="-122"/>
-                </a:rPr>
-                <a:t>一个）</a:t>
-              </a:r>
-              <a:endParaRPr lang="en-US" altLang="zh-CN" sz="1400" b="1" dirty="0" smtClean="0">
-                <a:solidFill>
-                  <a:schemeClr val="tx1">
-                    <a:lumMod val="95000"/>
-                    <a:lumOff val="5000"/>
-                  </a:schemeClr>
-                </a:solidFill>
-                <a:latin typeface="微软雅黑" panose="020B0503020204020204" pitchFamily="34" charset="-122"/>
-                <a:ea typeface="微软雅黑" panose="020B0503020204020204" pitchFamily="34" charset="-122"/>
-              </a:endParaRPr>
-            </a:p>
-            <a:p>
-              <a:endParaRPr lang="en-US" altLang="zh-CN" sz="1200" b="1" dirty="0" smtClean="0">
-                <a:latin typeface="微软雅黑" panose="020B0503020204020204" pitchFamily="34" charset="-122"/>
-                <a:ea typeface="微软雅黑" panose="020B0503020204020204" pitchFamily="34" charset="-122"/>
-              </a:endParaRPr>
-            </a:p>
-            <a:p>
-              <a:r>
-                <a:rPr lang="zh-CN" altLang="en-US" sz="1200" b="1" dirty="0" smtClean="0">
-                  <a:latin typeface="微软雅黑" panose="020B0503020204020204" pitchFamily="34" charset="-122"/>
-                  <a:ea typeface="微软雅黑" panose="020B0503020204020204" pitchFamily="34" charset="-122"/>
-                </a:rPr>
-                <a:t>存放</a:t>
-              </a:r>
-              <a:r>
-                <a:rPr lang="zh-CN" altLang="en-US" sz="1200" b="1" dirty="0">
-                  <a:latin typeface="微软雅黑" panose="020B0503020204020204" pitchFamily="34" charset="-122"/>
-                  <a:ea typeface="微软雅黑" panose="020B0503020204020204" pitchFamily="34" charset="-122"/>
-                </a:rPr>
-                <a:t>运行时生成的常量</a:t>
-              </a:r>
-              <a:endParaRPr lang="en-US" altLang="zh-CN" sz="1200" b="1" dirty="0">
-                <a:latin typeface="微软雅黑" panose="020B0503020204020204" pitchFamily="34" charset="-122"/>
-                <a:ea typeface="微软雅黑" panose="020B0503020204020204" pitchFamily="34" charset="-122"/>
-              </a:endParaRPr>
-            </a:p>
-          </p:txBody>
-        </p:sp>
-      </p:grpSp>
-      <p:sp>
-        <p:nvSpPr>
-          <p:cNvPr id="17" name="圆角矩形 16"/>
-          <p:cNvSpPr/>
-          <p:nvPr/>
-        </p:nvSpPr>
-        <p:spPr>
-          <a:xfrm>
-            <a:off x="8623299" y="3138982"/>
-            <a:ext cx="1778000" cy="1186153"/>
-          </a:xfrm>
-          <a:prstGeom prst="roundRect">
-            <a:avLst/>
-          </a:prstGeom>
-          <a:ln/>
-        </p:spPr>
-        <p:style>
-          <a:lnRef idx="2">
-            <a:schemeClr val="accent5">
-              <a:shade val="50000"/>
-            </a:schemeClr>
-          </a:lnRef>
-          <a:fillRef idx="1">
-            <a:schemeClr val="accent5"/>
-          </a:fillRef>
-          <a:effectRef idx="0">
-            <a:schemeClr val="accent5"/>
-          </a:effectRef>
-          <a:fontRef idx="minor">
-            <a:schemeClr val="lt1"/>
-          </a:fontRef>
-        </p:style>
-        <p:txBody>
-          <a:bodyPr rtlCol="0" anchor="ctr"/>
-          <a:lstStyle/>
-          <a:p>
-            <a:pPr algn="ctr"/>
-            <a:r>
-              <a:rPr lang="zh-CN" altLang="en-US" sz="1400" b="1" dirty="0">
-                <a:solidFill>
-                  <a:schemeClr val="tx1">
-                    <a:lumMod val="95000"/>
-                    <a:lumOff val="5000"/>
+                  <a:schemeClr val="tx2">
+                    <a:lumMod val="75000"/>
                   </a:schemeClr>
                 </a:solidFill>
                 <a:latin typeface="微软雅黑" panose="020B0503020204020204" pitchFamily="34" charset="-122"/>
                 <a:ea typeface="微软雅黑" panose="020B0503020204020204" pitchFamily="34" charset="-122"/>
               </a:rPr>
-              <a:t>全局字符串常量池</a:t>
-            </a:r>
-            <a:endParaRPr lang="en-US" altLang="zh-CN" sz="1400" b="1" dirty="0">
-              <a:solidFill>
-                <a:schemeClr val="tx1">
-                  <a:lumMod val="95000"/>
-                  <a:lumOff val="5000"/>
-                </a:schemeClr>
-              </a:solidFill>
+              <a:t>运行时常量池</a:t>
+            </a:r>
+            <a:r>
+              <a:rPr lang="zh-CN" altLang="en-US" sz="1200" b="1" dirty="0">
+                <a:latin typeface="微软雅黑" panose="020B0503020204020204" pitchFamily="34" charset="-122"/>
+                <a:ea typeface="微软雅黑" panose="020B0503020204020204" pitchFamily="34" charset="-122"/>
+              </a:rPr>
+              <a:t>，类的字段，方法，构造函数信息</a:t>
+            </a:r>
+            <a:r>
+              <a:rPr lang="zh-CN" altLang="en-US" sz="1200" b="1" dirty="0" smtClean="0">
+                <a:latin typeface="微软雅黑" panose="020B0503020204020204" pitchFamily="34" charset="-122"/>
+                <a:ea typeface="微软雅黑" panose="020B0503020204020204" pitchFamily="34" charset="-122"/>
+              </a:rPr>
+              <a:t>。 </a:t>
+            </a:r>
+            <a:endParaRPr lang="zh-CN" altLang="en-US" sz="1200" b="1" dirty="0">
               <a:latin typeface="微软雅黑" panose="020B0503020204020204" pitchFamily="34" charset="-122"/>
               <a:ea typeface="微软雅黑" panose="020B0503020204020204" pitchFamily="34" charset="-122"/>
             </a:endParaRPr>
           </a:p>
-          <a:p>
-            <a:pPr algn="ctr"/>
-            <a:r>
-              <a:rPr lang="zh-CN" altLang="en-US" sz="1400" b="1" dirty="0">
-                <a:solidFill>
-                  <a:schemeClr val="tx1">
-                    <a:lumMod val="95000"/>
-                    <a:lumOff val="5000"/>
-                  </a:schemeClr>
-                </a:solidFill>
-                <a:latin typeface="微软雅黑" panose="020B0503020204020204" pitchFamily="34" charset="-122"/>
-                <a:ea typeface="微软雅黑" panose="020B0503020204020204" pitchFamily="34" charset="-122"/>
-              </a:rPr>
-              <a:t>（仅一个）</a:t>
-            </a:r>
-            <a:endParaRPr lang="en-US" altLang="zh-CN" sz="1400" b="1" dirty="0">
-              <a:solidFill>
-                <a:schemeClr val="tx1">
-                  <a:lumMod val="95000"/>
-                  <a:lumOff val="5000"/>
-                </a:schemeClr>
-              </a:solidFill>
-              <a:latin typeface="微软雅黑" panose="020B0503020204020204" pitchFamily="34" charset="-122"/>
-              <a:ea typeface="微软雅黑" panose="020B0503020204020204" pitchFamily="34" charset="-122"/>
-            </a:endParaRPr>
-          </a:p>
-          <a:p>
-            <a:pPr algn="ctr"/>
-            <a:r>
-              <a:rPr lang="en-US" altLang="zh-CN" sz="1400" b="1" dirty="0" err="1">
-                <a:solidFill>
-                  <a:schemeClr val="tx1">
-                    <a:lumMod val="95000"/>
-                    <a:lumOff val="5000"/>
-                  </a:schemeClr>
-                </a:solidFill>
-                <a:latin typeface="微软雅黑" panose="020B0503020204020204" pitchFamily="34" charset="-122"/>
-                <a:ea typeface="微软雅黑" panose="020B0503020204020204" pitchFamily="34" charset="-122"/>
-              </a:rPr>
-              <a:t>Jdk</a:t>
-            </a:r>
-            <a:r>
-              <a:rPr lang="en-US" altLang="zh-CN" sz="1400" b="1" dirty="0">
-                <a:solidFill>
-                  <a:schemeClr val="tx1">
-                    <a:lumMod val="95000"/>
-                    <a:lumOff val="5000"/>
-                  </a:schemeClr>
-                </a:solidFill>
-                <a:latin typeface="微软雅黑" panose="020B0503020204020204" pitchFamily="34" charset="-122"/>
-                <a:ea typeface="微软雅黑" panose="020B0503020204020204" pitchFamily="34" charset="-122"/>
-              </a:rPr>
-              <a:t>&lt;1.8</a:t>
-            </a:r>
-            <a:endParaRPr lang="en-US" altLang="zh-CN" sz="1400" b="1" dirty="0">
-              <a:solidFill>
-                <a:schemeClr val="tx1">
-                  <a:lumMod val="95000"/>
-                  <a:lumOff val="5000"/>
-                </a:schemeClr>
-              </a:solidFill>
-              <a:latin typeface="微软雅黑" panose="020B0503020204020204" pitchFamily="34" charset="-122"/>
-              <a:ea typeface="微软雅黑" panose="020B0503020204020204" pitchFamily="34" charset="-122"/>
-            </a:endParaRPr>
-          </a:p>
         </p:txBody>
       </p:sp>
       <p:sp>
@@ -4264,7 +3579,7 @@
         </p:nvSpPr>
         <p:spPr>
           <a:xfrm>
-            <a:off x="6381749" y="1645621"/>
+            <a:off x="6381750" y="1727369"/>
             <a:ext cx="4019549" cy="762000"/>
           </a:xfrm>
           <a:prstGeom prst="roundRect">
@@ -4378,6 +3693,879 @@
           </a:p>
         </p:txBody>
       </p:sp>
+      <p:grpSp>
+        <p:nvGrpSpPr>
+          <p:cNvPr id="8" name="组合 7"/>
+          <p:cNvGrpSpPr/>
+          <p:nvPr/>
+        </p:nvGrpSpPr>
+        <p:grpSpPr>
+          <a:xfrm>
+            <a:off x="1160732" y="2343000"/>
+            <a:ext cx="4254500" cy="856504"/>
+            <a:chOff x="1181864" y="3188446"/>
+            <a:chExt cx="4254500" cy="856504"/>
+          </a:xfrm>
+        </p:grpSpPr>
+        <p:sp>
+          <p:nvSpPr>
+            <p:cNvPr id="2" name="矩形 1"/>
+            <p:cNvSpPr/>
+            <p:nvPr/>
+          </p:nvSpPr>
+          <p:spPr>
+            <a:xfrm>
+              <a:off x="1181864" y="3188446"/>
+              <a:ext cx="4254500" cy="856504"/>
+            </a:xfrm>
+            <a:prstGeom prst="rect">
+              <a:avLst/>
+            </a:prstGeom>
+          </p:spPr>
+          <p:style>
+            <a:lnRef idx="2">
+              <a:schemeClr val="accent6">
+                <a:shade val="50000"/>
+              </a:schemeClr>
+            </a:lnRef>
+            <a:fillRef idx="1">
+              <a:schemeClr val="accent6"/>
+            </a:fillRef>
+            <a:effectRef idx="0">
+              <a:schemeClr val="accent6"/>
+            </a:effectRef>
+            <a:fontRef idx="minor">
+              <a:schemeClr val="lt1"/>
+            </a:fontRef>
+          </p:style>
+          <p:txBody>
+            <a:bodyPr rtlCol="0" anchor="ctr"/>
+            <a:lstStyle/>
+            <a:p>
+              <a:pPr algn="ctr"/>
+              <a:endParaRPr lang="en-US" altLang="zh-CN" dirty="0" smtClean="0"/>
+            </a:p>
+            <a:p>
+              <a:pPr algn="ctr"/>
+              <a:endParaRPr lang="en-US" altLang="zh-CN" dirty="0"/>
+            </a:p>
+            <a:p>
+              <a:pPr algn="ctr"/>
+              <a:r>
+                <a:rPr lang="en-US" altLang="zh-CN" dirty="0" smtClean="0"/>
+                <a:t>thread2</a:t>
+              </a:r>
+              <a:endParaRPr lang="zh-CN" altLang="en-US" dirty="0"/>
+            </a:p>
+          </p:txBody>
+        </p:sp>
+        <p:grpSp>
+          <p:nvGrpSpPr>
+            <p:cNvPr id="3" name="组合 2"/>
+            <p:cNvGrpSpPr/>
+            <p:nvPr/>
+          </p:nvGrpSpPr>
+          <p:grpSpPr>
+            <a:xfrm>
+              <a:off x="1320529" y="3321144"/>
+              <a:ext cx="3977169" cy="338105"/>
+              <a:chOff x="1219769" y="2590541"/>
+              <a:chExt cx="3977169" cy="338105"/>
+            </a:xfrm>
+          </p:grpSpPr>
+          <p:sp>
+            <p:nvSpPr>
+              <p:cNvPr id="6" name="圆角矩形 5"/>
+              <p:cNvSpPr/>
+              <p:nvPr/>
+            </p:nvSpPr>
+            <p:spPr>
+              <a:xfrm>
+                <a:off x="1219769" y="2590799"/>
+                <a:ext cx="1358331" cy="337847"/>
+              </a:xfrm>
+              <a:prstGeom prst="roundRect">
+                <a:avLst/>
+              </a:prstGeom>
+            </p:spPr>
+            <p:style>
+              <a:lnRef idx="2">
+                <a:schemeClr val="accent2">
+                  <a:shade val="50000"/>
+                </a:schemeClr>
+              </a:lnRef>
+              <a:fillRef idx="1">
+                <a:schemeClr val="accent2"/>
+              </a:fillRef>
+              <a:effectRef idx="0">
+                <a:schemeClr val="accent2"/>
+              </a:effectRef>
+              <a:fontRef idx="minor">
+                <a:schemeClr val="lt1"/>
+              </a:fontRef>
+            </p:style>
+            <p:txBody>
+              <a:bodyPr rtlCol="0" anchor="ctr"/>
+              <a:lstStyle/>
+              <a:p>
+                <a:pPr algn="ctr"/>
+                <a:r>
+                  <a:rPr lang="zh-CN" altLang="en-US" sz="1400" b="1" dirty="0" smtClean="0">
+                    <a:solidFill>
+                      <a:schemeClr val="tx1">
+                        <a:lumMod val="95000"/>
+                        <a:lumOff val="5000"/>
+                      </a:schemeClr>
+                    </a:solidFill>
+                    <a:latin typeface="微软雅黑" panose="020B0503020204020204" pitchFamily="34" charset="-122"/>
+                    <a:ea typeface="微软雅黑" panose="020B0503020204020204" pitchFamily="34" charset="-122"/>
+                  </a:rPr>
+                  <a:t>线程栈</a:t>
+                </a:r>
+                <a:endParaRPr lang="en-US" altLang="zh-CN" sz="1400" b="1" dirty="0" smtClean="0">
+                  <a:solidFill>
+                    <a:schemeClr val="tx1">
+                      <a:lumMod val="95000"/>
+                      <a:lumOff val="5000"/>
+                    </a:schemeClr>
+                  </a:solidFill>
+                  <a:latin typeface="微软雅黑" panose="020B0503020204020204" pitchFamily="34" charset="-122"/>
+                  <a:ea typeface="微软雅黑" panose="020B0503020204020204" pitchFamily="34" charset="-122"/>
+                </a:endParaRPr>
+              </a:p>
+            </p:txBody>
+          </p:sp>
+          <p:sp>
+            <p:nvSpPr>
+              <p:cNvPr id="9" name="圆角矩形 8"/>
+              <p:cNvSpPr/>
+              <p:nvPr/>
+            </p:nvSpPr>
+            <p:spPr>
+              <a:xfrm>
+                <a:off x="4023603" y="2590541"/>
+                <a:ext cx="1173335" cy="337847"/>
+              </a:xfrm>
+              <a:prstGeom prst="roundRect">
+                <a:avLst/>
+              </a:prstGeom>
+            </p:spPr>
+            <p:style>
+              <a:lnRef idx="2">
+                <a:schemeClr val="accent3">
+                  <a:shade val="50000"/>
+                </a:schemeClr>
+              </a:lnRef>
+              <a:fillRef idx="1">
+                <a:schemeClr val="accent3"/>
+              </a:fillRef>
+              <a:effectRef idx="0">
+                <a:schemeClr val="accent3"/>
+              </a:effectRef>
+              <a:fontRef idx="minor">
+                <a:schemeClr val="lt1"/>
+              </a:fontRef>
+            </p:style>
+            <p:txBody>
+              <a:bodyPr rtlCol="0" anchor="ctr"/>
+              <a:lstStyle/>
+              <a:p>
+                <a:pPr algn="ctr"/>
+                <a:endParaRPr lang="en-US" altLang="zh-CN" sz="1400" b="1" dirty="0" smtClean="0">
+                  <a:solidFill>
+                    <a:schemeClr val="tx1">
+                      <a:lumMod val="95000"/>
+                      <a:lumOff val="5000"/>
+                    </a:schemeClr>
+                  </a:solidFill>
+                  <a:latin typeface="微软雅黑" panose="020B0503020204020204" pitchFamily="34" charset="-122"/>
+                  <a:ea typeface="微软雅黑" panose="020B0503020204020204" pitchFamily="34" charset="-122"/>
+                </a:endParaRPr>
+              </a:p>
+              <a:p>
+                <a:pPr algn="ctr"/>
+                <a:r>
+                  <a:rPr lang="zh-CN" altLang="en-US" sz="1400" b="1" dirty="0" smtClean="0">
+                    <a:solidFill>
+                      <a:schemeClr val="tx1">
+                        <a:lumMod val="95000"/>
+                        <a:lumOff val="5000"/>
+                      </a:schemeClr>
+                    </a:solidFill>
+                    <a:latin typeface="微软雅黑" panose="020B0503020204020204" pitchFamily="34" charset="-122"/>
+                    <a:ea typeface="微软雅黑" panose="020B0503020204020204" pitchFamily="34" charset="-122"/>
+                  </a:rPr>
+                  <a:t>本地方法栈</a:t>
+                </a:r>
+                <a:endParaRPr lang="en-US" altLang="zh-CN" sz="1400" b="1" dirty="0" smtClean="0">
+                  <a:solidFill>
+                    <a:schemeClr val="tx1">
+                      <a:lumMod val="95000"/>
+                      <a:lumOff val="5000"/>
+                    </a:schemeClr>
+                  </a:solidFill>
+                  <a:latin typeface="微软雅黑" panose="020B0503020204020204" pitchFamily="34" charset="-122"/>
+                  <a:ea typeface="微软雅黑" panose="020B0503020204020204" pitchFamily="34" charset="-122"/>
+                </a:endParaRPr>
+              </a:p>
+              <a:p>
+                <a:pPr algn="ctr"/>
+                <a:endParaRPr lang="zh-CN" altLang="en-US" sz="1400" b="1" dirty="0">
+                  <a:latin typeface="微软雅黑" panose="020B0503020204020204" pitchFamily="34" charset="-122"/>
+                  <a:ea typeface="微软雅黑" panose="020B0503020204020204" pitchFamily="34" charset="-122"/>
+                </a:endParaRPr>
+              </a:p>
+            </p:txBody>
+          </p:sp>
+          <p:sp>
+            <p:nvSpPr>
+              <p:cNvPr id="7" name="圆角矩形 6"/>
+              <p:cNvSpPr/>
+              <p:nvPr/>
+            </p:nvSpPr>
+            <p:spPr>
+              <a:xfrm>
+                <a:off x="2738168" y="2590798"/>
+                <a:ext cx="1085945" cy="337847"/>
+              </a:xfrm>
+              <a:prstGeom prst="roundRect">
+                <a:avLst/>
+              </a:prstGeom>
+            </p:spPr>
+            <p:style>
+              <a:lnRef idx="2">
+                <a:schemeClr val="accent3">
+                  <a:shade val="50000"/>
+                </a:schemeClr>
+              </a:lnRef>
+              <a:fillRef idx="1">
+                <a:schemeClr val="accent3"/>
+              </a:fillRef>
+              <a:effectRef idx="0">
+                <a:schemeClr val="accent3"/>
+              </a:effectRef>
+              <a:fontRef idx="minor">
+                <a:schemeClr val="lt1"/>
+              </a:fontRef>
+            </p:style>
+            <p:txBody>
+              <a:bodyPr rtlCol="0" anchor="ctr"/>
+              <a:lstStyle/>
+              <a:p>
+                <a:pPr algn="ctr"/>
+                <a:r>
+                  <a:rPr lang="en-US" altLang="zh-CN" sz="1400" b="1" dirty="0">
+                    <a:solidFill>
+                      <a:schemeClr val="tx1">
+                        <a:lumMod val="95000"/>
+                        <a:lumOff val="5000"/>
+                      </a:schemeClr>
+                    </a:solidFill>
+                    <a:latin typeface="微软雅黑" panose="020B0503020204020204" pitchFamily="34" charset="-122"/>
+                    <a:ea typeface="微软雅黑" panose="020B0503020204020204" pitchFamily="34" charset="-122"/>
+                  </a:rPr>
+                  <a:t>PC</a:t>
+                </a:r>
+                <a:r>
+                  <a:rPr lang="zh-CN" altLang="en-US" sz="1400" b="1" dirty="0">
+                    <a:solidFill>
+                      <a:schemeClr val="tx1">
+                        <a:lumMod val="95000"/>
+                        <a:lumOff val="5000"/>
+                      </a:schemeClr>
+                    </a:solidFill>
+                    <a:latin typeface="微软雅黑" panose="020B0503020204020204" pitchFamily="34" charset="-122"/>
+                    <a:ea typeface="微软雅黑" panose="020B0503020204020204" pitchFamily="34" charset="-122"/>
+                  </a:rPr>
+                  <a:t>寄存器</a:t>
+                </a:r>
+              </a:p>
+            </p:txBody>
+          </p:sp>
+        </p:grpSp>
+      </p:grpSp>
+      <p:grpSp>
+        <p:nvGrpSpPr>
+          <p:cNvPr id="19" name="组合 18"/>
+          <p:cNvGrpSpPr/>
+          <p:nvPr/>
+        </p:nvGrpSpPr>
+        <p:grpSpPr>
+          <a:xfrm>
+            <a:off x="1160732" y="789117"/>
+            <a:ext cx="4254500" cy="856504"/>
+            <a:chOff x="1181864" y="3188446"/>
+            <a:chExt cx="4254500" cy="856504"/>
+          </a:xfrm>
+        </p:grpSpPr>
+        <p:sp>
+          <p:nvSpPr>
+            <p:cNvPr id="20" name="矩形 19"/>
+            <p:cNvSpPr/>
+            <p:nvPr/>
+          </p:nvSpPr>
+          <p:spPr>
+            <a:xfrm>
+              <a:off x="1181864" y="3188446"/>
+              <a:ext cx="4254500" cy="856504"/>
+            </a:xfrm>
+            <a:prstGeom prst="rect">
+              <a:avLst/>
+            </a:prstGeom>
+          </p:spPr>
+          <p:style>
+            <a:lnRef idx="2">
+              <a:schemeClr val="accent6">
+                <a:shade val="50000"/>
+              </a:schemeClr>
+            </a:lnRef>
+            <a:fillRef idx="1">
+              <a:schemeClr val="accent6"/>
+            </a:fillRef>
+            <a:effectRef idx="0">
+              <a:schemeClr val="accent6"/>
+            </a:effectRef>
+            <a:fontRef idx="minor">
+              <a:schemeClr val="lt1"/>
+            </a:fontRef>
+          </p:style>
+          <p:txBody>
+            <a:bodyPr rtlCol="0" anchor="ctr"/>
+            <a:lstStyle/>
+            <a:p>
+              <a:pPr algn="ctr"/>
+              <a:endParaRPr lang="en-US" altLang="zh-CN" dirty="0" smtClean="0"/>
+            </a:p>
+            <a:p>
+              <a:pPr algn="ctr"/>
+              <a:endParaRPr lang="en-US" altLang="zh-CN" dirty="0"/>
+            </a:p>
+            <a:p>
+              <a:pPr algn="ctr"/>
+              <a:r>
+                <a:rPr lang="en-US" altLang="zh-CN" dirty="0" smtClean="0"/>
+                <a:t>thread1</a:t>
+              </a:r>
+              <a:endParaRPr lang="zh-CN" altLang="en-US" dirty="0"/>
+            </a:p>
+          </p:txBody>
+        </p:sp>
+        <p:grpSp>
+          <p:nvGrpSpPr>
+            <p:cNvPr id="21" name="组合 20"/>
+            <p:cNvGrpSpPr/>
+            <p:nvPr/>
+          </p:nvGrpSpPr>
+          <p:grpSpPr>
+            <a:xfrm>
+              <a:off x="1320529" y="3321144"/>
+              <a:ext cx="3977169" cy="338105"/>
+              <a:chOff x="1219769" y="2590541"/>
+              <a:chExt cx="3977169" cy="338105"/>
+            </a:xfrm>
+          </p:grpSpPr>
+          <p:sp>
+            <p:nvSpPr>
+              <p:cNvPr id="22" name="圆角矩形 21"/>
+              <p:cNvSpPr/>
+              <p:nvPr/>
+            </p:nvSpPr>
+            <p:spPr>
+              <a:xfrm>
+                <a:off x="1219769" y="2590799"/>
+                <a:ext cx="1358331" cy="337847"/>
+              </a:xfrm>
+              <a:prstGeom prst="roundRect">
+                <a:avLst/>
+              </a:prstGeom>
+            </p:spPr>
+            <p:style>
+              <a:lnRef idx="2">
+                <a:schemeClr val="accent2">
+                  <a:shade val="50000"/>
+                </a:schemeClr>
+              </a:lnRef>
+              <a:fillRef idx="1">
+                <a:schemeClr val="accent2"/>
+              </a:fillRef>
+              <a:effectRef idx="0">
+                <a:schemeClr val="accent2"/>
+              </a:effectRef>
+              <a:fontRef idx="minor">
+                <a:schemeClr val="lt1"/>
+              </a:fontRef>
+            </p:style>
+            <p:txBody>
+              <a:bodyPr rtlCol="0" anchor="ctr"/>
+              <a:lstStyle/>
+              <a:p>
+                <a:pPr algn="ctr"/>
+                <a:r>
+                  <a:rPr lang="zh-CN" altLang="en-US" sz="1400" b="1" dirty="0" smtClean="0">
+                    <a:solidFill>
+                      <a:schemeClr val="tx1">
+                        <a:lumMod val="95000"/>
+                        <a:lumOff val="5000"/>
+                      </a:schemeClr>
+                    </a:solidFill>
+                    <a:latin typeface="微软雅黑" panose="020B0503020204020204" pitchFamily="34" charset="-122"/>
+                    <a:ea typeface="微软雅黑" panose="020B0503020204020204" pitchFamily="34" charset="-122"/>
+                  </a:rPr>
+                  <a:t>线程栈</a:t>
+                </a:r>
+                <a:endParaRPr lang="en-US" altLang="zh-CN" sz="1400" b="1" dirty="0" smtClean="0">
+                  <a:solidFill>
+                    <a:schemeClr val="tx1">
+                      <a:lumMod val="95000"/>
+                      <a:lumOff val="5000"/>
+                    </a:schemeClr>
+                  </a:solidFill>
+                  <a:latin typeface="微软雅黑" panose="020B0503020204020204" pitchFamily="34" charset="-122"/>
+                  <a:ea typeface="微软雅黑" panose="020B0503020204020204" pitchFamily="34" charset="-122"/>
+                </a:endParaRPr>
+              </a:p>
+            </p:txBody>
+          </p:sp>
+          <p:sp>
+            <p:nvSpPr>
+              <p:cNvPr id="23" name="圆角矩形 22"/>
+              <p:cNvSpPr/>
+              <p:nvPr/>
+            </p:nvSpPr>
+            <p:spPr>
+              <a:xfrm>
+                <a:off x="4023603" y="2590541"/>
+                <a:ext cx="1173335" cy="337847"/>
+              </a:xfrm>
+              <a:prstGeom prst="roundRect">
+                <a:avLst/>
+              </a:prstGeom>
+            </p:spPr>
+            <p:style>
+              <a:lnRef idx="2">
+                <a:schemeClr val="accent3">
+                  <a:shade val="50000"/>
+                </a:schemeClr>
+              </a:lnRef>
+              <a:fillRef idx="1">
+                <a:schemeClr val="accent3"/>
+              </a:fillRef>
+              <a:effectRef idx="0">
+                <a:schemeClr val="accent3"/>
+              </a:effectRef>
+              <a:fontRef idx="minor">
+                <a:schemeClr val="lt1"/>
+              </a:fontRef>
+            </p:style>
+            <p:txBody>
+              <a:bodyPr rtlCol="0" anchor="ctr"/>
+              <a:lstStyle/>
+              <a:p>
+                <a:pPr algn="ctr"/>
+                <a:endParaRPr lang="en-US" altLang="zh-CN" sz="1400" b="1" dirty="0" smtClean="0">
+                  <a:solidFill>
+                    <a:schemeClr val="tx1">
+                      <a:lumMod val="95000"/>
+                      <a:lumOff val="5000"/>
+                    </a:schemeClr>
+                  </a:solidFill>
+                  <a:latin typeface="微软雅黑" panose="020B0503020204020204" pitchFamily="34" charset="-122"/>
+                  <a:ea typeface="微软雅黑" panose="020B0503020204020204" pitchFamily="34" charset="-122"/>
+                </a:endParaRPr>
+              </a:p>
+              <a:p>
+                <a:pPr algn="ctr"/>
+                <a:r>
+                  <a:rPr lang="zh-CN" altLang="en-US" sz="1400" b="1" dirty="0" smtClean="0">
+                    <a:solidFill>
+                      <a:schemeClr val="tx1">
+                        <a:lumMod val="95000"/>
+                        <a:lumOff val="5000"/>
+                      </a:schemeClr>
+                    </a:solidFill>
+                    <a:latin typeface="微软雅黑" panose="020B0503020204020204" pitchFamily="34" charset="-122"/>
+                    <a:ea typeface="微软雅黑" panose="020B0503020204020204" pitchFamily="34" charset="-122"/>
+                  </a:rPr>
+                  <a:t>本地方法栈</a:t>
+                </a:r>
+                <a:endParaRPr lang="en-US" altLang="zh-CN" sz="1400" b="1" dirty="0" smtClean="0">
+                  <a:solidFill>
+                    <a:schemeClr val="tx1">
+                      <a:lumMod val="95000"/>
+                      <a:lumOff val="5000"/>
+                    </a:schemeClr>
+                  </a:solidFill>
+                  <a:latin typeface="微软雅黑" panose="020B0503020204020204" pitchFamily="34" charset="-122"/>
+                  <a:ea typeface="微软雅黑" panose="020B0503020204020204" pitchFamily="34" charset="-122"/>
+                </a:endParaRPr>
+              </a:p>
+              <a:p>
+                <a:pPr algn="ctr"/>
+                <a:endParaRPr lang="zh-CN" altLang="en-US" sz="1400" b="1" dirty="0">
+                  <a:latin typeface="微软雅黑" panose="020B0503020204020204" pitchFamily="34" charset="-122"/>
+                  <a:ea typeface="微软雅黑" panose="020B0503020204020204" pitchFamily="34" charset="-122"/>
+                </a:endParaRPr>
+              </a:p>
+            </p:txBody>
+          </p:sp>
+          <p:sp>
+            <p:nvSpPr>
+              <p:cNvPr id="24" name="圆角矩形 23"/>
+              <p:cNvSpPr/>
+              <p:nvPr/>
+            </p:nvSpPr>
+            <p:spPr>
+              <a:xfrm>
+                <a:off x="2738168" y="2590798"/>
+                <a:ext cx="1085945" cy="337847"/>
+              </a:xfrm>
+              <a:prstGeom prst="roundRect">
+                <a:avLst/>
+              </a:prstGeom>
+            </p:spPr>
+            <p:style>
+              <a:lnRef idx="2">
+                <a:schemeClr val="accent3">
+                  <a:shade val="50000"/>
+                </a:schemeClr>
+              </a:lnRef>
+              <a:fillRef idx="1">
+                <a:schemeClr val="accent3"/>
+              </a:fillRef>
+              <a:effectRef idx="0">
+                <a:schemeClr val="accent3"/>
+              </a:effectRef>
+              <a:fontRef idx="minor">
+                <a:schemeClr val="lt1"/>
+              </a:fontRef>
+            </p:style>
+            <p:txBody>
+              <a:bodyPr rtlCol="0" anchor="ctr"/>
+              <a:lstStyle/>
+              <a:p>
+                <a:pPr algn="ctr"/>
+                <a:r>
+                  <a:rPr lang="en-US" altLang="zh-CN" sz="1400" b="1" dirty="0">
+                    <a:solidFill>
+                      <a:schemeClr val="tx1">
+                        <a:lumMod val="95000"/>
+                        <a:lumOff val="5000"/>
+                      </a:schemeClr>
+                    </a:solidFill>
+                    <a:latin typeface="微软雅黑" panose="020B0503020204020204" pitchFamily="34" charset="-122"/>
+                    <a:ea typeface="微软雅黑" panose="020B0503020204020204" pitchFamily="34" charset="-122"/>
+                  </a:rPr>
+                  <a:t>PC</a:t>
+                </a:r>
+                <a:r>
+                  <a:rPr lang="zh-CN" altLang="en-US" sz="1400" b="1" dirty="0">
+                    <a:solidFill>
+                      <a:schemeClr val="tx1">
+                        <a:lumMod val="95000"/>
+                        <a:lumOff val="5000"/>
+                      </a:schemeClr>
+                    </a:solidFill>
+                    <a:latin typeface="微软雅黑" panose="020B0503020204020204" pitchFamily="34" charset="-122"/>
+                    <a:ea typeface="微软雅黑" panose="020B0503020204020204" pitchFamily="34" charset="-122"/>
+                  </a:rPr>
+                  <a:t>寄存器</a:t>
+                </a:r>
+              </a:p>
+            </p:txBody>
+          </p:sp>
+        </p:grpSp>
+      </p:grpSp>
+      <p:grpSp>
+        <p:nvGrpSpPr>
+          <p:cNvPr id="25" name="组合 24"/>
+          <p:cNvGrpSpPr/>
+          <p:nvPr/>
+        </p:nvGrpSpPr>
+        <p:grpSpPr>
+          <a:xfrm>
+            <a:off x="1160732" y="3896883"/>
+            <a:ext cx="4254500" cy="856504"/>
+            <a:chOff x="1181864" y="3188446"/>
+            <a:chExt cx="4254500" cy="856504"/>
+          </a:xfrm>
+        </p:grpSpPr>
+        <p:sp>
+          <p:nvSpPr>
+            <p:cNvPr id="26" name="矩形 25"/>
+            <p:cNvSpPr/>
+            <p:nvPr/>
+          </p:nvSpPr>
+          <p:spPr>
+            <a:xfrm>
+              <a:off x="1181864" y="3188446"/>
+              <a:ext cx="4254500" cy="856504"/>
+            </a:xfrm>
+            <a:prstGeom prst="rect">
+              <a:avLst/>
+            </a:prstGeom>
+          </p:spPr>
+          <p:style>
+            <a:lnRef idx="2">
+              <a:schemeClr val="accent6">
+                <a:shade val="50000"/>
+              </a:schemeClr>
+            </a:lnRef>
+            <a:fillRef idx="1">
+              <a:schemeClr val="accent6"/>
+            </a:fillRef>
+            <a:effectRef idx="0">
+              <a:schemeClr val="accent6"/>
+            </a:effectRef>
+            <a:fontRef idx="minor">
+              <a:schemeClr val="lt1"/>
+            </a:fontRef>
+          </p:style>
+          <p:txBody>
+            <a:bodyPr rtlCol="0" anchor="ctr"/>
+            <a:lstStyle/>
+            <a:p>
+              <a:pPr algn="ctr"/>
+              <a:endParaRPr lang="en-US" altLang="zh-CN" dirty="0" smtClean="0"/>
+            </a:p>
+            <a:p>
+              <a:pPr algn="ctr"/>
+              <a:endParaRPr lang="en-US" altLang="zh-CN" dirty="0"/>
+            </a:p>
+            <a:p>
+              <a:pPr algn="ctr"/>
+              <a:r>
+                <a:rPr lang="en-US" altLang="zh-CN" dirty="0" smtClean="0"/>
+                <a:t>Thread...</a:t>
+              </a:r>
+              <a:endParaRPr lang="zh-CN" altLang="en-US" dirty="0"/>
+            </a:p>
+          </p:txBody>
+        </p:sp>
+        <p:grpSp>
+          <p:nvGrpSpPr>
+            <p:cNvPr id="27" name="组合 26"/>
+            <p:cNvGrpSpPr/>
+            <p:nvPr/>
+          </p:nvGrpSpPr>
+          <p:grpSpPr>
+            <a:xfrm>
+              <a:off x="1320529" y="3321144"/>
+              <a:ext cx="3977169" cy="338105"/>
+              <a:chOff x="1219769" y="2590541"/>
+              <a:chExt cx="3977169" cy="338105"/>
+            </a:xfrm>
+          </p:grpSpPr>
+          <p:sp>
+            <p:nvSpPr>
+              <p:cNvPr id="28" name="圆角矩形 27"/>
+              <p:cNvSpPr/>
+              <p:nvPr/>
+            </p:nvSpPr>
+            <p:spPr>
+              <a:xfrm>
+                <a:off x="1219769" y="2590799"/>
+                <a:ext cx="1358331" cy="337847"/>
+              </a:xfrm>
+              <a:prstGeom prst="roundRect">
+                <a:avLst/>
+              </a:prstGeom>
+            </p:spPr>
+            <p:style>
+              <a:lnRef idx="2">
+                <a:schemeClr val="accent2">
+                  <a:shade val="50000"/>
+                </a:schemeClr>
+              </a:lnRef>
+              <a:fillRef idx="1">
+                <a:schemeClr val="accent2"/>
+              </a:fillRef>
+              <a:effectRef idx="0">
+                <a:schemeClr val="accent2"/>
+              </a:effectRef>
+              <a:fontRef idx="minor">
+                <a:schemeClr val="lt1"/>
+              </a:fontRef>
+            </p:style>
+            <p:txBody>
+              <a:bodyPr rtlCol="0" anchor="ctr"/>
+              <a:lstStyle/>
+              <a:p>
+                <a:pPr algn="ctr"/>
+                <a:r>
+                  <a:rPr lang="zh-CN" altLang="en-US" sz="1400" b="1" dirty="0" smtClean="0">
+                    <a:solidFill>
+                      <a:schemeClr val="tx1">
+                        <a:lumMod val="95000"/>
+                        <a:lumOff val="5000"/>
+                      </a:schemeClr>
+                    </a:solidFill>
+                    <a:latin typeface="微软雅黑" panose="020B0503020204020204" pitchFamily="34" charset="-122"/>
+                    <a:ea typeface="微软雅黑" panose="020B0503020204020204" pitchFamily="34" charset="-122"/>
+                  </a:rPr>
+                  <a:t>线程栈</a:t>
+                </a:r>
+                <a:endParaRPr lang="en-US" altLang="zh-CN" sz="1400" b="1" dirty="0" smtClean="0">
+                  <a:solidFill>
+                    <a:schemeClr val="tx1">
+                      <a:lumMod val="95000"/>
+                      <a:lumOff val="5000"/>
+                    </a:schemeClr>
+                  </a:solidFill>
+                  <a:latin typeface="微软雅黑" panose="020B0503020204020204" pitchFamily="34" charset="-122"/>
+                  <a:ea typeface="微软雅黑" panose="020B0503020204020204" pitchFamily="34" charset="-122"/>
+                </a:endParaRPr>
+              </a:p>
+            </p:txBody>
+          </p:sp>
+          <p:sp>
+            <p:nvSpPr>
+              <p:cNvPr id="29" name="圆角矩形 28"/>
+              <p:cNvSpPr/>
+              <p:nvPr/>
+            </p:nvSpPr>
+            <p:spPr>
+              <a:xfrm>
+                <a:off x="4023603" y="2590541"/>
+                <a:ext cx="1173335" cy="337847"/>
+              </a:xfrm>
+              <a:prstGeom prst="roundRect">
+                <a:avLst/>
+              </a:prstGeom>
+            </p:spPr>
+            <p:style>
+              <a:lnRef idx="2">
+                <a:schemeClr val="accent3">
+                  <a:shade val="50000"/>
+                </a:schemeClr>
+              </a:lnRef>
+              <a:fillRef idx="1">
+                <a:schemeClr val="accent3"/>
+              </a:fillRef>
+              <a:effectRef idx="0">
+                <a:schemeClr val="accent3"/>
+              </a:effectRef>
+              <a:fontRef idx="minor">
+                <a:schemeClr val="lt1"/>
+              </a:fontRef>
+            </p:style>
+            <p:txBody>
+              <a:bodyPr rtlCol="0" anchor="ctr"/>
+              <a:lstStyle/>
+              <a:p>
+                <a:pPr algn="ctr"/>
+                <a:endParaRPr lang="en-US" altLang="zh-CN" sz="1400" b="1" dirty="0" smtClean="0">
+                  <a:solidFill>
+                    <a:schemeClr val="tx1">
+                      <a:lumMod val="95000"/>
+                      <a:lumOff val="5000"/>
+                    </a:schemeClr>
+                  </a:solidFill>
+                  <a:latin typeface="微软雅黑" panose="020B0503020204020204" pitchFamily="34" charset="-122"/>
+                  <a:ea typeface="微软雅黑" panose="020B0503020204020204" pitchFamily="34" charset="-122"/>
+                </a:endParaRPr>
+              </a:p>
+              <a:p>
+                <a:pPr algn="ctr"/>
+                <a:r>
+                  <a:rPr lang="zh-CN" altLang="en-US" sz="1400" b="1" dirty="0" smtClean="0">
+                    <a:solidFill>
+                      <a:schemeClr val="tx1">
+                        <a:lumMod val="95000"/>
+                        <a:lumOff val="5000"/>
+                      </a:schemeClr>
+                    </a:solidFill>
+                    <a:latin typeface="微软雅黑" panose="020B0503020204020204" pitchFamily="34" charset="-122"/>
+                    <a:ea typeface="微软雅黑" panose="020B0503020204020204" pitchFamily="34" charset="-122"/>
+                  </a:rPr>
+                  <a:t>本地方法栈</a:t>
+                </a:r>
+                <a:endParaRPr lang="en-US" altLang="zh-CN" sz="1400" b="1" dirty="0" smtClean="0">
+                  <a:solidFill>
+                    <a:schemeClr val="tx1">
+                      <a:lumMod val="95000"/>
+                      <a:lumOff val="5000"/>
+                    </a:schemeClr>
+                  </a:solidFill>
+                  <a:latin typeface="微软雅黑" panose="020B0503020204020204" pitchFamily="34" charset="-122"/>
+                  <a:ea typeface="微软雅黑" panose="020B0503020204020204" pitchFamily="34" charset="-122"/>
+                </a:endParaRPr>
+              </a:p>
+              <a:p>
+                <a:pPr algn="ctr"/>
+                <a:endParaRPr lang="zh-CN" altLang="en-US" sz="1400" b="1" dirty="0">
+                  <a:latin typeface="微软雅黑" panose="020B0503020204020204" pitchFamily="34" charset="-122"/>
+                  <a:ea typeface="微软雅黑" panose="020B0503020204020204" pitchFamily="34" charset="-122"/>
+                </a:endParaRPr>
+              </a:p>
+            </p:txBody>
+          </p:sp>
+          <p:sp>
+            <p:nvSpPr>
+              <p:cNvPr id="30" name="圆角矩形 29"/>
+              <p:cNvSpPr/>
+              <p:nvPr/>
+            </p:nvSpPr>
+            <p:spPr>
+              <a:xfrm>
+                <a:off x="2738168" y="2590798"/>
+                <a:ext cx="1085945" cy="337847"/>
+              </a:xfrm>
+              <a:prstGeom prst="roundRect">
+                <a:avLst/>
+              </a:prstGeom>
+            </p:spPr>
+            <p:style>
+              <a:lnRef idx="2">
+                <a:schemeClr val="accent3">
+                  <a:shade val="50000"/>
+                </a:schemeClr>
+              </a:lnRef>
+              <a:fillRef idx="1">
+                <a:schemeClr val="accent3"/>
+              </a:fillRef>
+              <a:effectRef idx="0">
+                <a:schemeClr val="accent3"/>
+              </a:effectRef>
+              <a:fontRef idx="minor">
+                <a:schemeClr val="lt1"/>
+              </a:fontRef>
+            </p:style>
+            <p:txBody>
+              <a:bodyPr rtlCol="0" anchor="ctr"/>
+              <a:lstStyle/>
+              <a:p>
+                <a:pPr algn="ctr"/>
+                <a:r>
+                  <a:rPr lang="en-US" altLang="zh-CN" sz="1400" b="1" dirty="0">
+                    <a:solidFill>
+                      <a:schemeClr val="tx1">
+                        <a:lumMod val="95000"/>
+                        <a:lumOff val="5000"/>
+                      </a:schemeClr>
+                    </a:solidFill>
+                    <a:latin typeface="微软雅黑" panose="020B0503020204020204" pitchFamily="34" charset="-122"/>
+                    <a:ea typeface="微软雅黑" panose="020B0503020204020204" pitchFamily="34" charset="-122"/>
+                  </a:rPr>
+                  <a:t>PC</a:t>
+                </a:r>
+                <a:r>
+                  <a:rPr lang="zh-CN" altLang="en-US" sz="1400" b="1" dirty="0">
+                    <a:solidFill>
+                      <a:schemeClr val="tx1">
+                        <a:lumMod val="95000"/>
+                        <a:lumOff val="5000"/>
+                      </a:schemeClr>
+                    </a:solidFill>
+                    <a:latin typeface="微软雅黑" panose="020B0503020204020204" pitchFamily="34" charset="-122"/>
+                    <a:ea typeface="微软雅黑" panose="020B0503020204020204" pitchFamily="34" charset="-122"/>
+                  </a:rPr>
+                  <a:t>寄存器</a:t>
+                </a:r>
+              </a:p>
+            </p:txBody>
+          </p:sp>
+        </p:grpSp>
+      </p:grpSp>
     </p:spTree>
     <p:extLst>
       <p:ext uri="{BB962C8B-B14F-4D97-AF65-F5344CB8AC3E}">
@@ -4415,43 +4603,80 @@
           <a:chExt cx="0" cy="0"/>
         </a:xfrm>
       </p:grpSpPr>
-      <p:sp>
-        <p:nvSpPr>
-          <p:cNvPr id="4" name="矩形 3"/>
-          <p:cNvSpPr/>
+      <p:pic>
+        <p:nvPicPr>
+          <p:cNvPr id="4" name="图片 3"/>
+          <p:cNvPicPr>
+            <a:picLocks noChangeAspect="1"/>
+          </p:cNvPicPr>
           <p:nvPr/>
-        </p:nvSpPr>
+        </p:nvPicPr>
+        <p:blipFill>
+          <a:blip r:embed="rId2"/>
+          <a:stretch>
+            <a:fillRect/>
+          </a:stretch>
+        </p:blipFill>
         <p:spPr>
           <a:xfrm>
-            <a:off x="2451100" y="1504950"/>
-            <a:ext cx="5803900" cy="2952750"/>
+            <a:off x="1524001" y="556338"/>
+            <a:ext cx="7639050" cy="2726350"/>
           </a:xfrm>
           <a:prstGeom prst="rect">
             <a:avLst/>
           </a:prstGeom>
-          <a:solidFill>
-            <a:schemeClr val="accent2">
-              <a:lumMod val="20000"/>
-              <a:lumOff val="80000"/>
-            </a:schemeClr>
-          </a:solidFill>
-          <a:ln>
-            <a:solidFill>
-              <a:srgbClr val="0070C0"/>
-            </a:solidFill>
-          </a:ln>
+        </p:spPr>
+      </p:pic>
+      <p:pic>
+        <p:nvPicPr>
+          <p:cNvPr id="5" name="图片 4"/>
+          <p:cNvPicPr>
+            <a:picLocks noChangeAspect="1"/>
+          </p:cNvPicPr>
+          <p:nvPr/>
+        </p:nvPicPr>
+        <p:blipFill>
+          <a:blip r:embed="rId3"/>
+          <a:stretch>
+            <a:fillRect/>
+          </a:stretch>
+        </p:blipFill>
+        <p:spPr>
+          <a:xfrm>
+            <a:off x="3169920" y="3489325"/>
+            <a:ext cx="5030470" cy="3119908"/>
+          </a:xfrm>
+          <a:prstGeom prst="rect">
+            <a:avLst/>
+          </a:prstGeom>
+        </p:spPr>
+      </p:pic>
+      <p:sp>
+        <p:nvSpPr>
+          <p:cNvPr id="6" name="下箭头 5"/>
+          <p:cNvSpPr/>
+          <p:nvPr/>
+        </p:nvSpPr>
+        <p:spPr>
+          <a:xfrm>
+            <a:off x="5562600" y="3282688"/>
+            <a:ext cx="190500" cy="206637"/>
+          </a:xfrm>
+          <a:prstGeom prst="downArrow">
+            <a:avLst/>
+          </a:prstGeom>
         </p:spPr>
         <p:style>
           <a:lnRef idx="2">
-            <a:schemeClr val="accent1">
+            <a:schemeClr val="dk1">
               <a:shade val="50000"/>
             </a:schemeClr>
           </a:lnRef>
           <a:fillRef idx="1">
-            <a:schemeClr val="accent1"/>
+            <a:schemeClr val="dk1"/>
           </a:fillRef>
           <a:effectRef idx="0">
-            <a:schemeClr val="accent1"/>
+            <a:schemeClr val="dk1"/>
           </a:effectRef>
           <a:fontRef idx="minor">
             <a:schemeClr val="lt1"/>
@@ -4462,403 +4687,27 @@
           <a:lstStyle/>
           <a:p>
             <a:pPr algn="ctr"/>
-            <a:endParaRPr lang="en-US" altLang="zh-CN" b="1" dirty="0" smtClean="0">
-              <a:solidFill>
-                <a:schemeClr val="tx1"/>
-              </a:solidFill>
-              <a:latin typeface="微软雅黑" panose="020B0503020204020204" pitchFamily="34" charset="-122"/>
-              <a:ea typeface="微软雅黑" panose="020B0503020204020204" pitchFamily="34" charset="-122"/>
-            </a:endParaRPr>
-          </a:p>
-          <a:p>
-            <a:pPr algn="ctr"/>
-            <a:endParaRPr lang="en-US" altLang="zh-CN" b="1" dirty="0">
-              <a:solidFill>
-                <a:schemeClr val="tx1"/>
-              </a:solidFill>
-              <a:latin typeface="微软雅黑" panose="020B0503020204020204" pitchFamily="34" charset="-122"/>
-              <a:ea typeface="微软雅黑" panose="020B0503020204020204" pitchFamily="34" charset="-122"/>
-            </a:endParaRPr>
-          </a:p>
-          <a:p>
-            <a:pPr algn="ctr"/>
-            <a:endParaRPr lang="en-US" altLang="zh-CN" b="1" dirty="0" smtClean="0">
-              <a:solidFill>
-                <a:schemeClr val="tx1"/>
-              </a:solidFill>
-              <a:latin typeface="微软雅黑" panose="020B0503020204020204" pitchFamily="34" charset="-122"/>
-              <a:ea typeface="微软雅黑" panose="020B0503020204020204" pitchFamily="34" charset="-122"/>
-            </a:endParaRPr>
-          </a:p>
-          <a:p>
-            <a:pPr algn="ctr"/>
-            <a:endParaRPr lang="en-US" altLang="zh-CN" b="1" dirty="0">
-              <a:solidFill>
-                <a:schemeClr val="tx1"/>
-              </a:solidFill>
-              <a:latin typeface="微软雅黑" panose="020B0503020204020204" pitchFamily="34" charset="-122"/>
-              <a:ea typeface="微软雅黑" panose="020B0503020204020204" pitchFamily="34" charset="-122"/>
-            </a:endParaRPr>
-          </a:p>
-          <a:p>
-            <a:pPr algn="ctr"/>
-            <a:endParaRPr lang="en-US" altLang="zh-CN" b="1" dirty="0" smtClean="0">
-              <a:solidFill>
-                <a:schemeClr val="tx1"/>
-              </a:solidFill>
-              <a:latin typeface="微软雅黑" panose="020B0503020204020204" pitchFamily="34" charset="-122"/>
-              <a:ea typeface="微软雅黑" panose="020B0503020204020204" pitchFamily="34" charset="-122"/>
-            </a:endParaRPr>
-          </a:p>
-          <a:p>
-            <a:pPr algn="ctr"/>
-            <a:endParaRPr lang="en-US" altLang="zh-CN" b="1" dirty="0">
-              <a:solidFill>
-                <a:schemeClr val="tx1"/>
-              </a:solidFill>
-              <a:latin typeface="微软雅黑" panose="020B0503020204020204" pitchFamily="34" charset="-122"/>
-              <a:ea typeface="微软雅黑" panose="020B0503020204020204" pitchFamily="34" charset="-122"/>
-            </a:endParaRPr>
-          </a:p>
-          <a:p>
-            <a:pPr algn="ctr"/>
-            <a:endParaRPr lang="en-US" altLang="zh-CN" b="1" dirty="0" smtClean="0">
-              <a:solidFill>
-                <a:schemeClr val="tx1"/>
-              </a:solidFill>
-              <a:latin typeface="微软雅黑" panose="020B0503020204020204" pitchFamily="34" charset="-122"/>
-              <a:ea typeface="微软雅黑" panose="020B0503020204020204" pitchFamily="34" charset="-122"/>
-            </a:endParaRPr>
-          </a:p>
-          <a:p>
-            <a:pPr algn="ctr"/>
-            <a:r>
-              <a:rPr lang="zh-CN" altLang="en-US" b="1" dirty="0" smtClean="0">
-                <a:solidFill>
-                  <a:schemeClr val="tx1"/>
-                </a:solidFill>
-                <a:latin typeface="微软雅黑" panose="020B0503020204020204" pitchFamily="34" charset="-122"/>
-                <a:ea typeface="微软雅黑" panose="020B0503020204020204" pitchFamily="34" charset="-122"/>
-              </a:rPr>
-              <a:t>常量</a:t>
-            </a:r>
-            <a:r>
-              <a:rPr lang="zh-CN" altLang="en-US" b="1" dirty="0">
-                <a:solidFill>
-                  <a:schemeClr val="tx1"/>
-                </a:solidFill>
-                <a:latin typeface="微软雅黑" panose="020B0503020204020204" pitchFamily="34" charset="-122"/>
-                <a:ea typeface="微软雅黑" panose="020B0503020204020204" pitchFamily="34" charset="-122"/>
-              </a:rPr>
-              <a:t>池</a:t>
-            </a:r>
-          </a:p>
-        </p:txBody>
-      </p:sp>
-      <p:sp>
-        <p:nvSpPr>
-          <p:cNvPr id="5" name="圆角矩形 4"/>
-          <p:cNvSpPr/>
-          <p:nvPr/>
-        </p:nvSpPr>
-        <p:spPr>
-          <a:xfrm>
-            <a:off x="2844800" y="1733550"/>
-            <a:ext cx="1968500" cy="2057400"/>
-          </a:xfrm>
-          <a:prstGeom prst="roundRect">
-            <a:avLst/>
-          </a:prstGeom>
-        </p:spPr>
-        <p:style>
-          <a:lnRef idx="2">
-            <a:schemeClr val="accent1">
-              <a:shade val="50000"/>
-            </a:schemeClr>
-          </a:lnRef>
-          <a:fillRef idx="1">
-            <a:schemeClr val="accent1"/>
-          </a:fillRef>
-          <a:effectRef idx="0">
-            <a:schemeClr val="accent1"/>
-          </a:effectRef>
-          <a:fontRef idx="minor">
-            <a:schemeClr val="lt1"/>
-          </a:fontRef>
-        </p:style>
-        <p:txBody>
-          <a:bodyPr rtlCol="0" anchor="ctr"/>
-          <a:lstStyle/>
-          <a:p>
-            <a:pPr algn="ctr"/>
-            <a:r>
-              <a:rPr lang="en-US" altLang="zh-CN" sz="1400" b="1" dirty="0">
-                <a:solidFill>
-                  <a:schemeClr val="tx1">
-                    <a:lumMod val="95000"/>
-                    <a:lumOff val="5000"/>
-                  </a:schemeClr>
-                </a:solidFill>
-                <a:latin typeface="微软雅黑" panose="020B0503020204020204" pitchFamily="34" charset="-122"/>
-                <a:ea typeface="微软雅黑" panose="020B0503020204020204" pitchFamily="34" charset="-122"/>
-              </a:rPr>
-              <a:t>Class</a:t>
-            </a:r>
-            <a:r>
-              <a:rPr lang="zh-CN" altLang="en-US" sz="1400" b="1" dirty="0">
-                <a:solidFill>
-                  <a:schemeClr val="tx1">
-                    <a:lumMod val="95000"/>
-                    <a:lumOff val="5000"/>
-                  </a:schemeClr>
-                </a:solidFill>
-                <a:latin typeface="微软雅黑" panose="020B0503020204020204" pitchFamily="34" charset="-122"/>
-                <a:ea typeface="微软雅黑" panose="020B0503020204020204" pitchFamily="34" charset="-122"/>
-              </a:rPr>
-              <a:t>文件常量池</a:t>
-            </a:r>
-            <a:endParaRPr lang="en-US" altLang="zh-CN" sz="1400" b="1" dirty="0">
-              <a:solidFill>
-                <a:schemeClr val="tx1">
-                  <a:lumMod val="95000"/>
-                  <a:lumOff val="5000"/>
-                </a:schemeClr>
-              </a:solidFill>
-              <a:latin typeface="微软雅黑" panose="020B0503020204020204" pitchFamily="34" charset="-122"/>
-              <a:ea typeface="微软雅黑" panose="020B0503020204020204" pitchFamily="34" charset="-122"/>
-            </a:endParaRPr>
-          </a:p>
-          <a:p>
-            <a:r>
-              <a:rPr lang="zh-CN" altLang="en-US" sz="1200" b="1" dirty="0">
-                <a:latin typeface="微软雅黑" panose="020B0503020204020204" pitchFamily="34" charset="-122"/>
-                <a:ea typeface="微软雅黑" panose="020B0503020204020204" pitchFamily="34" charset="-122"/>
-              </a:rPr>
-              <a:t>存放编译器生成的各种字面</a:t>
-            </a:r>
-            <a:r>
-              <a:rPr lang="zh-CN" altLang="en-US" sz="1200" b="1" dirty="0" smtClean="0">
-                <a:latin typeface="微软雅黑" panose="020B0503020204020204" pitchFamily="34" charset="-122"/>
-                <a:ea typeface="微软雅黑" panose="020B0503020204020204" pitchFamily="34" charset="-122"/>
-              </a:rPr>
-              <a:t>量和</a:t>
-            </a:r>
-            <a:r>
-              <a:rPr lang="zh-CN" altLang="en-US" sz="1200" b="1" dirty="0">
-                <a:latin typeface="微软雅黑" panose="020B0503020204020204" pitchFamily="34" charset="-122"/>
-                <a:ea typeface="微软雅黑" panose="020B0503020204020204" pitchFamily="34" charset="-122"/>
-              </a:rPr>
-              <a:t>符号</a:t>
-            </a:r>
-            <a:r>
-              <a:rPr lang="zh-CN" altLang="en-US" sz="1200" b="1" dirty="0" smtClean="0">
-                <a:latin typeface="微软雅黑" panose="020B0503020204020204" pitchFamily="34" charset="-122"/>
-                <a:ea typeface="微软雅黑" panose="020B0503020204020204" pitchFamily="34" charset="-122"/>
-              </a:rPr>
-              <a:t>引用</a:t>
-            </a:r>
-            <a:endParaRPr lang="en-US" altLang="zh-CN" sz="1200" b="1" dirty="0" smtClean="0">
-              <a:latin typeface="微软雅黑" panose="020B0503020204020204" pitchFamily="34" charset="-122"/>
-              <a:ea typeface="微软雅黑" panose="020B0503020204020204" pitchFamily="34" charset="-122"/>
-            </a:endParaRPr>
-          </a:p>
-          <a:p>
-            <a:endParaRPr lang="en-US" altLang="zh-CN" sz="1200" b="1" dirty="0">
-              <a:latin typeface="微软雅黑" panose="020B0503020204020204" pitchFamily="34" charset="-122"/>
-              <a:ea typeface="微软雅黑" panose="020B0503020204020204" pitchFamily="34" charset="-122"/>
-            </a:endParaRPr>
-          </a:p>
-          <a:p>
-            <a:endParaRPr lang="en-US" altLang="zh-CN" sz="1200" b="1" dirty="0" smtClean="0">
-              <a:latin typeface="微软雅黑" panose="020B0503020204020204" pitchFamily="34" charset="-122"/>
-              <a:ea typeface="微软雅黑" panose="020B0503020204020204" pitchFamily="34" charset="-122"/>
-            </a:endParaRPr>
-          </a:p>
-          <a:p>
-            <a:endParaRPr lang="en-US" altLang="zh-CN" sz="1200" b="1" dirty="0">
-              <a:latin typeface="微软雅黑" panose="020B0503020204020204" pitchFamily="34" charset="-122"/>
-              <a:ea typeface="微软雅黑" panose="020B0503020204020204" pitchFamily="34" charset="-122"/>
-            </a:endParaRPr>
-          </a:p>
-          <a:p>
-            <a:pPr algn="ctr"/>
-            <a:r>
-              <a:rPr lang="zh-CN" altLang="en-US" sz="1200" b="1" dirty="0" smtClean="0">
-                <a:solidFill>
-                  <a:schemeClr val="accent4"/>
-                </a:solidFill>
-                <a:latin typeface="微软雅黑" panose="020B0503020204020204" pitchFamily="34" charset="-122"/>
-                <a:ea typeface="微软雅黑" panose="020B0503020204020204" pitchFamily="34" charset="-122"/>
-              </a:rPr>
-              <a:t>非运行时</a:t>
-            </a:r>
-            <a:endParaRPr lang="en-US" altLang="zh-CN" sz="1200" b="1" dirty="0">
-              <a:solidFill>
-                <a:schemeClr val="accent4"/>
-              </a:solidFill>
-              <a:latin typeface="微软雅黑" panose="020B0503020204020204" pitchFamily="34" charset="-122"/>
-              <a:ea typeface="微软雅黑" panose="020B0503020204020204" pitchFamily="34" charset="-122"/>
-            </a:endParaRPr>
-          </a:p>
-        </p:txBody>
-      </p:sp>
-      <p:sp>
-        <p:nvSpPr>
-          <p:cNvPr id="6" name="圆角矩形 5"/>
-          <p:cNvSpPr/>
-          <p:nvPr/>
-        </p:nvSpPr>
-        <p:spPr>
-          <a:xfrm>
-            <a:off x="5918200" y="1733550"/>
-            <a:ext cx="1968500" cy="2057400"/>
-          </a:xfrm>
-          <a:prstGeom prst="roundRect">
-            <a:avLst/>
-          </a:prstGeom>
-        </p:spPr>
-        <p:style>
-          <a:lnRef idx="2">
-            <a:schemeClr val="accent1">
-              <a:shade val="50000"/>
-            </a:schemeClr>
-          </a:lnRef>
-          <a:fillRef idx="1">
-            <a:schemeClr val="accent1"/>
-          </a:fillRef>
-          <a:effectRef idx="0">
-            <a:schemeClr val="accent1"/>
-          </a:effectRef>
-          <a:fontRef idx="minor">
-            <a:schemeClr val="lt1"/>
-          </a:fontRef>
-        </p:style>
-        <p:txBody>
-          <a:bodyPr rtlCol="0" anchor="ctr"/>
-          <a:lstStyle/>
-          <a:p>
-            <a:pPr algn="ctr"/>
-            <a:r>
-              <a:rPr lang="en-US" altLang="zh-CN" sz="1400" b="1" dirty="0">
-                <a:solidFill>
-                  <a:schemeClr val="tx1">
-                    <a:lumMod val="95000"/>
-                    <a:lumOff val="5000"/>
-                  </a:schemeClr>
-                </a:solidFill>
-                <a:latin typeface="微软雅黑" panose="020B0503020204020204" pitchFamily="34" charset="-122"/>
-                <a:ea typeface="微软雅黑" panose="020B0503020204020204" pitchFamily="34" charset="-122"/>
-              </a:rPr>
-              <a:t>Class</a:t>
-            </a:r>
-            <a:r>
-              <a:rPr lang="zh-CN" altLang="en-US" sz="1400" b="1" dirty="0">
-                <a:solidFill>
-                  <a:schemeClr val="tx1">
-                    <a:lumMod val="95000"/>
-                    <a:lumOff val="5000"/>
-                  </a:schemeClr>
-                </a:solidFill>
-                <a:latin typeface="微软雅黑" panose="020B0503020204020204" pitchFamily="34" charset="-122"/>
-                <a:ea typeface="微软雅黑" panose="020B0503020204020204" pitchFamily="34" charset="-122"/>
-              </a:rPr>
-              <a:t>文件常量池</a:t>
-            </a:r>
-            <a:endParaRPr lang="en-US" altLang="zh-CN" sz="1400" b="1" dirty="0">
-              <a:solidFill>
-                <a:schemeClr val="tx1">
-                  <a:lumMod val="95000"/>
-                  <a:lumOff val="5000"/>
-                </a:schemeClr>
-              </a:solidFill>
-              <a:latin typeface="微软雅黑" panose="020B0503020204020204" pitchFamily="34" charset="-122"/>
-              <a:ea typeface="微软雅黑" panose="020B0503020204020204" pitchFamily="34" charset="-122"/>
-            </a:endParaRPr>
-          </a:p>
-          <a:p>
-            <a:r>
-              <a:rPr lang="zh-CN" altLang="en-US" sz="1200" b="1" dirty="0">
-                <a:latin typeface="微软雅黑" panose="020B0503020204020204" pitchFamily="34" charset="-122"/>
-                <a:ea typeface="微软雅黑" panose="020B0503020204020204" pitchFamily="34" charset="-122"/>
-              </a:rPr>
-              <a:t>存放编译器生成的各种字面</a:t>
-            </a:r>
-            <a:r>
-              <a:rPr lang="zh-CN" altLang="en-US" sz="1200" b="1" dirty="0" smtClean="0">
-                <a:latin typeface="微软雅黑" panose="020B0503020204020204" pitchFamily="34" charset="-122"/>
-                <a:ea typeface="微软雅黑" panose="020B0503020204020204" pitchFamily="34" charset="-122"/>
-              </a:rPr>
-              <a:t>量和</a:t>
-            </a:r>
-            <a:r>
-              <a:rPr lang="zh-CN" altLang="en-US" sz="1200" b="1" dirty="0">
-                <a:latin typeface="微软雅黑" panose="020B0503020204020204" pitchFamily="34" charset="-122"/>
-                <a:ea typeface="微软雅黑" panose="020B0503020204020204" pitchFamily="34" charset="-122"/>
-              </a:rPr>
-              <a:t>符号</a:t>
-            </a:r>
-            <a:r>
-              <a:rPr lang="zh-CN" altLang="en-US" sz="1200" b="1" dirty="0" smtClean="0">
-                <a:latin typeface="微软雅黑" panose="020B0503020204020204" pitchFamily="34" charset="-122"/>
-                <a:ea typeface="微软雅黑" panose="020B0503020204020204" pitchFamily="34" charset="-122"/>
-              </a:rPr>
-              <a:t>引用</a:t>
-            </a:r>
-            <a:endParaRPr lang="en-US" altLang="zh-CN" sz="1200" b="1" dirty="0" smtClean="0">
-              <a:latin typeface="微软雅黑" panose="020B0503020204020204" pitchFamily="34" charset="-122"/>
-              <a:ea typeface="微软雅黑" panose="020B0503020204020204" pitchFamily="34" charset="-122"/>
-            </a:endParaRPr>
-          </a:p>
-          <a:p>
-            <a:endParaRPr lang="en-US" altLang="zh-CN" sz="1200" b="1" dirty="0">
-              <a:latin typeface="微软雅黑" panose="020B0503020204020204" pitchFamily="34" charset="-122"/>
-              <a:ea typeface="微软雅黑" panose="020B0503020204020204" pitchFamily="34" charset="-122"/>
-            </a:endParaRPr>
-          </a:p>
-          <a:p>
-            <a:endParaRPr lang="en-US" altLang="zh-CN" sz="1200" b="1" dirty="0" smtClean="0">
-              <a:latin typeface="微软雅黑" panose="020B0503020204020204" pitchFamily="34" charset="-122"/>
-              <a:ea typeface="微软雅黑" panose="020B0503020204020204" pitchFamily="34" charset="-122"/>
-            </a:endParaRPr>
-          </a:p>
-          <a:p>
-            <a:endParaRPr lang="en-US" altLang="zh-CN" sz="1200" b="1" dirty="0">
-              <a:latin typeface="微软雅黑" panose="020B0503020204020204" pitchFamily="34" charset="-122"/>
-              <a:ea typeface="微软雅黑" panose="020B0503020204020204" pitchFamily="34" charset="-122"/>
-            </a:endParaRPr>
-          </a:p>
-          <a:p>
-            <a:pPr algn="ctr"/>
-            <a:r>
-              <a:rPr lang="zh-CN" altLang="en-US" sz="1200" b="1" dirty="0" smtClean="0">
-                <a:solidFill>
-                  <a:schemeClr val="accent4"/>
-                </a:solidFill>
-                <a:latin typeface="微软雅黑" panose="020B0503020204020204" pitchFamily="34" charset="-122"/>
-                <a:ea typeface="微软雅黑" panose="020B0503020204020204" pitchFamily="34" charset="-122"/>
-              </a:rPr>
-              <a:t>非运行时</a:t>
-            </a:r>
-            <a:endParaRPr lang="en-US" altLang="zh-CN" sz="1200" b="1" dirty="0">
-              <a:solidFill>
-                <a:schemeClr val="accent4"/>
-              </a:solidFill>
-              <a:latin typeface="微软雅黑" panose="020B0503020204020204" pitchFamily="34" charset="-122"/>
-              <a:ea typeface="微软雅黑" panose="020B0503020204020204" pitchFamily="34" charset="-122"/>
-            </a:endParaRPr>
+            <a:endParaRPr lang="zh-CN" altLang="en-US"/>
           </a:p>
         </p:txBody>
       </p:sp>
     </p:spTree>
     <p:extLst>
       <p:ext uri="{BB962C8B-B14F-4D97-AF65-F5344CB8AC3E}">
-        <p14:creationId xmlns:p14="http://schemas.microsoft.com/office/powerpoint/2010/main" val="3630558421"/>
+        <p14:creationId xmlns:p14="http://schemas.microsoft.com/office/powerpoint/2010/main" val="3879835529"/>
       </p:ext>
     </p:extLst>
   </p:cSld>
   <p:clrMapOvr>
     <a:masterClrMapping/>
   </p:clrMapOvr>
+  <p:timing>
+    <p:tnLst>
+      <p:par>
+        <p:cTn id="1" dur="indefinite" restart="never" nodeType="tmRoot"/>
+      </p:par>
+    </p:tnLst>
+  </p:timing>
 </p:sld>
 </file>
 
